--- a/IconEditor/Windows.pptx
+++ b/IconEditor/Windows.pptx
@@ -5,7 +5,7 @@
     <p:sldMasterId id="2147483648" r:id="rId1"/>
   </p:sldMasterIdLst>
   <p:notesMasterIdLst>
-    <p:notesMasterId r:id="rId14"/>
+    <p:notesMasterId r:id="rId16"/>
   </p:notesMasterIdLst>
   <p:sldIdLst>
     <p:sldId id="273" r:id="rId2"/>
@@ -14,12 +14,14 @@
     <p:sldId id="276" r:id="rId5"/>
     <p:sldId id="269" r:id="rId6"/>
     <p:sldId id="277" r:id="rId7"/>
-    <p:sldId id="270" r:id="rId8"/>
-    <p:sldId id="278" r:id="rId9"/>
-    <p:sldId id="274" r:id="rId10"/>
-    <p:sldId id="271" r:id="rId11"/>
-    <p:sldId id="272" r:id="rId12"/>
-    <p:sldId id="279" r:id="rId13"/>
+    <p:sldId id="280" r:id="rId8"/>
+    <p:sldId id="281" r:id="rId9"/>
+    <p:sldId id="270" r:id="rId10"/>
+    <p:sldId id="278" r:id="rId11"/>
+    <p:sldId id="274" r:id="rId12"/>
+    <p:sldId id="271" r:id="rId13"/>
+    <p:sldId id="272" r:id="rId14"/>
+    <p:sldId id="279" r:id="rId15"/>
   </p:sldIdLst>
   <p:sldSz cx="2438400" cy="2438400"/>
   <p:notesSz cx="6858000" cy="9144000"/>
@@ -139,6 +141,12 @@
             <p14:sldId id="277"/>
           </p14:sldIdLst>
         </p14:section>
+        <p14:section name="Server" id="{A4EF05F2-CD44-4684-AD8F-F6B8255F8977}">
+          <p14:sldIdLst>
+            <p14:sldId id="280"/>
+            <p14:sldId id="281"/>
+          </p14:sldIdLst>
+        </p14:section>
         <p14:section name="Win8.1" id="{BD4FB1D4-97D6-45A2-AA27-B244A48CA9C6}">
           <p14:sldIdLst>
             <p14:sldId id="270"/>
@@ -248,7 +256,7 @@
           <a:p>
             <a:fld id="{963033C0-5CE6-43B5-824E-825800F4D89A}" type="datetimeFigureOut">
               <a:rPr lang="zh-CN" altLang="en-US" smtClean="0"/>
-              <a:t>2023-5-5</a:t>
+              <a:t>2023-5-20</a:t>
             </a:fld>
             <a:endParaRPr lang="zh-CN" altLang="en-US"/>
           </a:p>
@@ -698,7 +706,7 @@
     </p:spTree>
     <p:extLst>
       <p:ext uri="{BB962C8B-B14F-4D97-AF65-F5344CB8AC3E}">
-        <p14:creationId xmlns:p14="http://schemas.microsoft.com/office/powerpoint/2010/main" val="1124321937"/>
+        <p14:creationId xmlns:p14="http://schemas.microsoft.com/office/powerpoint/2010/main" val="2562830388"/>
       </p:ext>
     </p:extLst>
   </p:cSld>
@@ -786,7 +794,7 @@
     </p:spTree>
     <p:extLst>
       <p:ext uri="{BB962C8B-B14F-4D97-AF65-F5344CB8AC3E}">
-        <p14:creationId xmlns:p14="http://schemas.microsoft.com/office/powerpoint/2010/main" val="4105046713"/>
+        <p14:creationId xmlns:p14="http://schemas.microsoft.com/office/powerpoint/2010/main" val="4230462426"/>
       </p:ext>
     </p:extLst>
   </p:cSld>
@@ -883,6 +891,199 @@
             <a:fld id="{C221E4B7-236D-4111-B769-FD4E3E28BE4E}" type="slidenum">
               <a:rPr lang="zh-CN" altLang="en-US" smtClean="0"/>
               <a:t>12</a:t>
+            </a:fld>
+            <a:endParaRPr lang="zh-CN" altLang="en-US"/>
+          </a:p>
+        </p:txBody>
+      </p:sp>
+    </p:spTree>
+    <p:extLst>
+      <p:ext uri="{BB962C8B-B14F-4D97-AF65-F5344CB8AC3E}">
+        <p14:creationId xmlns:p14="http://schemas.microsoft.com/office/powerpoint/2010/main" val="1124321937"/>
+      </p:ext>
+    </p:extLst>
+  </p:cSld>
+  <p:clrMapOvr>
+    <a:masterClrMapping/>
+  </p:clrMapOvr>
+</p:notes>
+</file>
+
+<file path=ppt/notesSlides/notesSlide13.xml><?xml version="1.0" encoding="utf-8"?>
+<p:notes xmlns:a="http://schemas.openxmlformats.org/drawingml/2006/main" xmlns:r="http://schemas.openxmlformats.org/officeDocument/2006/relationships" xmlns:p="http://schemas.openxmlformats.org/presentationml/2006/main">
+  <p:cSld>
+    <p:spTree>
+      <p:nvGrpSpPr>
+        <p:cNvPr id="1" name=""/>
+        <p:cNvGrpSpPr/>
+        <p:nvPr/>
+      </p:nvGrpSpPr>
+      <p:grpSpPr>
+        <a:xfrm>
+          <a:off x="0" y="0"/>
+          <a:ext cx="0" cy="0"/>
+          <a:chOff x="0" y="0"/>
+          <a:chExt cx="0" cy="0"/>
+        </a:xfrm>
+      </p:grpSpPr>
+      <p:sp>
+        <p:nvSpPr>
+          <p:cNvPr id="2" name="幻灯片图像占位符 1"/>
+          <p:cNvSpPr>
+            <a:spLocks noGrp="1" noRot="1" noChangeAspect="1"/>
+          </p:cNvSpPr>
+          <p:nvPr>
+            <p:ph type="sldImg"/>
+          </p:nvPr>
+        </p:nvSpPr>
+        <p:spPr/>
+      </p:sp>
+      <p:sp>
+        <p:nvSpPr>
+          <p:cNvPr id="3" name="备注占位符 2"/>
+          <p:cNvSpPr>
+            <a:spLocks noGrp="1"/>
+          </p:cNvSpPr>
+          <p:nvPr>
+            <p:ph type="body" idx="1"/>
+          </p:nvPr>
+        </p:nvSpPr>
+        <p:spPr/>
+        <p:txBody>
+          <a:bodyPr/>
+          <a:lstStyle/>
+          <a:p>
+            <a:r>
+              <a:rPr lang="en-US" altLang="zh-CN" dirty="0"/>
+              <a:t>Editor</a:t>
+            </a:r>
+            <a:endParaRPr lang="zh-CN" altLang="en-US" dirty="0"/>
+          </a:p>
+        </p:txBody>
+      </p:sp>
+      <p:sp>
+        <p:nvSpPr>
+          <p:cNvPr id="4" name="灯片编号占位符 3"/>
+          <p:cNvSpPr>
+            <a:spLocks noGrp="1"/>
+          </p:cNvSpPr>
+          <p:nvPr>
+            <p:ph type="sldNum" sz="quarter" idx="5"/>
+          </p:nvPr>
+        </p:nvSpPr>
+        <p:spPr/>
+        <p:txBody>
+          <a:bodyPr/>
+          <a:lstStyle/>
+          <a:p>
+            <a:fld id="{C221E4B7-236D-4111-B769-FD4E3E28BE4E}" type="slidenum">
+              <a:rPr lang="zh-CN" altLang="en-US" smtClean="0"/>
+              <a:t>13</a:t>
+            </a:fld>
+            <a:endParaRPr lang="zh-CN" altLang="en-US"/>
+          </a:p>
+        </p:txBody>
+      </p:sp>
+    </p:spTree>
+    <p:extLst>
+      <p:ext uri="{BB962C8B-B14F-4D97-AF65-F5344CB8AC3E}">
+        <p14:creationId xmlns:p14="http://schemas.microsoft.com/office/powerpoint/2010/main" val="4105046713"/>
+      </p:ext>
+    </p:extLst>
+  </p:cSld>
+  <p:clrMapOvr>
+    <a:masterClrMapping/>
+  </p:clrMapOvr>
+</p:notes>
+</file>
+
+<file path=ppt/notesSlides/notesSlide14.xml><?xml version="1.0" encoding="utf-8"?>
+<p:notes xmlns:a="http://schemas.openxmlformats.org/drawingml/2006/main" xmlns:r="http://schemas.openxmlformats.org/officeDocument/2006/relationships" xmlns:p="http://schemas.openxmlformats.org/presentationml/2006/main">
+  <p:cSld>
+    <p:spTree>
+      <p:nvGrpSpPr>
+        <p:cNvPr id="1" name=""/>
+        <p:cNvGrpSpPr/>
+        <p:nvPr/>
+      </p:nvGrpSpPr>
+      <p:grpSpPr>
+        <a:xfrm>
+          <a:off x="0" y="0"/>
+          <a:ext cx="0" cy="0"/>
+          <a:chOff x="0" y="0"/>
+          <a:chExt cx="0" cy="0"/>
+        </a:xfrm>
+      </p:grpSpPr>
+      <p:sp>
+        <p:nvSpPr>
+          <p:cNvPr id="2" name="幻灯片图像占位符 1"/>
+          <p:cNvSpPr>
+            <a:spLocks noGrp="1" noRot="1" noChangeAspect="1"/>
+          </p:cNvSpPr>
+          <p:nvPr>
+            <p:ph type="sldImg"/>
+          </p:nvPr>
+        </p:nvSpPr>
+        <p:spPr/>
+      </p:sp>
+      <p:sp>
+        <p:nvSpPr>
+          <p:cNvPr id="3" name="备注占位符 2"/>
+          <p:cNvSpPr>
+            <a:spLocks noGrp="1"/>
+          </p:cNvSpPr>
+          <p:nvPr>
+            <p:ph type="body" idx="1"/>
+          </p:nvPr>
+        </p:nvSpPr>
+        <p:spPr/>
+        <p:txBody>
+          <a:bodyPr/>
+          <a:lstStyle/>
+          <a:p>
+            <a:pPr marL="0" marR="0" lvl="0" indent="0" algn="l" defTabSz="914400" rtl="0" eaLnBrk="1" fontAlgn="auto" latinLnBrk="0" hangingPunct="1">
+              <a:lnSpc>
+                <a:spcPct val="100000"/>
+              </a:lnSpc>
+              <a:spcBef>
+                <a:spcPts val="0"/>
+              </a:spcBef>
+              <a:spcAft>
+                <a:spcPts val="0"/>
+              </a:spcAft>
+              <a:buClrTx/>
+              <a:buSzTx/>
+              <a:buFontTx/>
+              <a:buNone/>
+              <a:tabLst/>
+              <a:defRPr/>
+            </a:pPr>
+            <a:r>
+              <a:rPr lang="en-US" altLang="zh-CN" dirty="0"/>
+              <a:t>PNG</a:t>
+            </a:r>
+            <a:endParaRPr lang="zh-CN" altLang="en-US" dirty="0"/>
+          </a:p>
+        </p:txBody>
+      </p:sp>
+      <p:sp>
+        <p:nvSpPr>
+          <p:cNvPr id="4" name="灯片编号占位符 3"/>
+          <p:cNvSpPr>
+            <a:spLocks noGrp="1"/>
+          </p:cNvSpPr>
+          <p:nvPr>
+            <p:ph type="sldNum" sz="quarter" idx="5"/>
+          </p:nvPr>
+        </p:nvSpPr>
+        <p:spPr/>
+        <p:txBody>
+          <a:bodyPr/>
+          <a:lstStyle/>
+          <a:p>
+            <a:fld id="{C221E4B7-236D-4111-B769-FD4E3E28BE4E}" type="slidenum">
+              <a:rPr lang="zh-CN" altLang="en-US" smtClean="0"/>
+              <a:t>14</a:t>
             </a:fld>
             <a:endParaRPr lang="zh-CN" altLang="en-US"/>
           </a:p>
@@ -1470,7 +1671,7 @@
     </p:spTree>
     <p:extLst>
       <p:ext uri="{BB962C8B-B14F-4D97-AF65-F5344CB8AC3E}">
-        <p14:creationId xmlns:p14="http://schemas.microsoft.com/office/powerpoint/2010/main" val="473399225"/>
+        <p14:creationId xmlns:p14="http://schemas.microsoft.com/office/powerpoint/2010/main" val="2887210124"/>
       </p:ext>
     </p:extLst>
   </p:cSld>
@@ -1575,7 +1776,7 @@
     </p:spTree>
     <p:extLst>
       <p:ext uri="{BB962C8B-B14F-4D97-AF65-F5344CB8AC3E}">
-        <p14:creationId xmlns:p14="http://schemas.microsoft.com/office/powerpoint/2010/main" val="2562830388"/>
+        <p14:creationId xmlns:p14="http://schemas.microsoft.com/office/powerpoint/2010/main" val="476868376"/>
       </p:ext>
     </p:extLst>
   </p:cSld>
@@ -1663,7 +1864,7 @@
     </p:spTree>
     <p:extLst>
       <p:ext uri="{BB962C8B-B14F-4D97-AF65-F5344CB8AC3E}">
-        <p14:creationId xmlns:p14="http://schemas.microsoft.com/office/powerpoint/2010/main" val="4230462426"/>
+        <p14:creationId xmlns:p14="http://schemas.microsoft.com/office/powerpoint/2010/main" val="473399225"/>
       </p:ext>
     </p:extLst>
   </p:cSld>
@@ -1820,7 +2021,7 @@
           <a:p>
             <a:fld id="{6786A9BE-9AB0-4816-9C4A-E57E7110ABF7}" type="datetimeFigureOut">
               <a:rPr lang="zh-CN" altLang="en-US" smtClean="0"/>
-              <a:t>2023-5-5</a:t>
+              <a:t>2023-5-20</a:t>
             </a:fld>
             <a:endParaRPr lang="zh-CN" altLang="en-US"/>
           </a:p>
@@ -2018,7 +2219,7 @@
           <a:p>
             <a:fld id="{6786A9BE-9AB0-4816-9C4A-E57E7110ABF7}" type="datetimeFigureOut">
               <a:rPr lang="zh-CN" altLang="en-US" smtClean="0"/>
-              <a:t>2023-5-5</a:t>
+              <a:t>2023-5-20</a:t>
             </a:fld>
             <a:endParaRPr lang="zh-CN" altLang="en-US"/>
           </a:p>
@@ -2226,7 +2427,7 @@
           <a:p>
             <a:fld id="{6786A9BE-9AB0-4816-9C4A-E57E7110ABF7}" type="datetimeFigureOut">
               <a:rPr lang="zh-CN" altLang="en-US" smtClean="0"/>
-              <a:t>2023-5-5</a:t>
+              <a:t>2023-5-20</a:t>
             </a:fld>
             <a:endParaRPr lang="zh-CN" altLang="en-US"/>
           </a:p>
@@ -2424,7 +2625,7 @@
           <a:p>
             <a:fld id="{6786A9BE-9AB0-4816-9C4A-E57E7110ABF7}" type="datetimeFigureOut">
               <a:rPr lang="zh-CN" altLang="en-US" smtClean="0"/>
-              <a:t>2023-5-5</a:t>
+              <a:t>2023-5-20</a:t>
             </a:fld>
             <a:endParaRPr lang="zh-CN" altLang="en-US"/>
           </a:p>
@@ -2699,7 +2900,7 @@
           <a:p>
             <a:fld id="{6786A9BE-9AB0-4816-9C4A-E57E7110ABF7}" type="datetimeFigureOut">
               <a:rPr lang="zh-CN" altLang="en-US" smtClean="0"/>
-              <a:t>2023-5-5</a:t>
+              <a:t>2023-5-20</a:t>
             </a:fld>
             <a:endParaRPr lang="zh-CN" altLang="en-US"/>
           </a:p>
@@ -2964,7 +3165,7 @@
           <a:p>
             <a:fld id="{6786A9BE-9AB0-4816-9C4A-E57E7110ABF7}" type="datetimeFigureOut">
               <a:rPr lang="zh-CN" altLang="en-US" smtClean="0"/>
-              <a:t>2023-5-5</a:t>
+              <a:t>2023-5-20</a:t>
             </a:fld>
             <a:endParaRPr lang="zh-CN" altLang="en-US"/>
           </a:p>
@@ -3376,7 +3577,7 @@
           <a:p>
             <a:fld id="{6786A9BE-9AB0-4816-9C4A-E57E7110ABF7}" type="datetimeFigureOut">
               <a:rPr lang="zh-CN" altLang="en-US" smtClean="0"/>
-              <a:t>2023-5-5</a:t>
+              <a:t>2023-5-20</a:t>
             </a:fld>
             <a:endParaRPr lang="zh-CN" altLang="en-US"/>
           </a:p>
@@ -3517,7 +3718,7 @@
           <a:p>
             <a:fld id="{6786A9BE-9AB0-4816-9C4A-E57E7110ABF7}" type="datetimeFigureOut">
               <a:rPr lang="zh-CN" altLang="en-US" smtClean="0"/>
-              <a:t>2023-5-5</a:t>
+              <a:t>2023-5-20</a:t>
             </a:fld>
             <a:endParaRPr lang="zh-CN" altLang="en-US"/>
           </a:p>
@@ -3630,7 +3831,7 @@
           <a:p>
             <a:fld id="{6786A9BE-9AB0-4816-9C4A-E57E7110ABF7}" type="datetimeFigureOut">
               <a:rPr lang="zh-CN" altLang="en-US" smtClean="0"/>
-              <a:t>2023-5-5</a:t>
+              <a:t>2023-5-20</a:t>
             </a:fld>
             <a:endParaRPr lang="zh-CN" altLang="en-US"/>
           </a:p>
@@ -3941,7 +4142,7 @@
           <a:p>
             <a:fld id="{6786A9BE-9AB0-4816-9C4A-E57E7110ABF7}" type="datetimeFigureOut">
               <a:rPr lang="zh-CN" altLang="en-US" smtClean="0"/>
-              <a:t>2023-5-5</a:t>
+              <a:t>2023-5-20</a:t>
             </a:fld>
             <a:endParaRPr lang="zh-CN" altLang="en-US"/>
           </a:p>
@@ -4229,7 +4430,7 @@
           <a:p>
             <a:fld id="{6786A9BE-9AB0-4816-9C4A-E57E7110ABF7}" type="datetimeFigureOut">
               <a:rPr lang="zh-CN" altLang="en-US" smtClean="0"/>
-              <a:t>2023-5-5</a:t>
+              <a:t>2023-5-20</a:t>
             </a:fld>
             <a:endParaRPr lang="zh-CN" altLang="en-US"/>
           </a:p>
@@ -4473,7 +4674,7 @@
           <a:p>
             <a:fld id="{6786A9BE-9AB0-4816-9C4A-E57E7110ABF7}" type="datetimeFigureOut">
               <a:rPr lang="zh-CN" altLang="en-US" smtClean="0"/>
-              <a:t>2023-5-5</a:t>
+              <a:t>2023-5-20</a:t>
             </a:fld>
             <a:endParaRPr lang="zh-CN" altLang="en-US"/>
           </a:p>
@@ -5095,1153 +5296,6 @@
           <p:cNvPr id="3" name="图片 2">
             <a:extLst>
               <a:ext uri="{FF2B5EF4-FFF2-40B4-BE49-F238E27FC236}">
-                <a16:creationId xmlns:a16="http://schemas.microsoft.com/office/drawing/2014/main" id="{26A1F47F-258D-3038-7091-6EAB9294E315}"/>
-              </a:ext>
-            </a:extLst>
-          </p:cNvPr>
-          <p:cNvPicPr>
-            <a:picLocks noChangeAspect="1"/>
-          </p:cNvPicPr>
-          <p:nvPr/>
-        </p:nvPicPr>
-        <p:blipFill>
-          <a:blip r:embed="rId3">
-            <a:extLst>
-              <a:ext uri="{28A0092B-C50C-407E-A947-70E740481C1C}">
-                <a14:useLocalDpi xmlns:a14="http://schemas.microsoft.com/office/drawing/2010/main" val="0"/>
-              </a:ext>
-            </a:extLst>
-          </a:blip>
-          <a:srcRect/>
-          <a:stretch/>
-        </p:blipFill>
-        <p:spPr>
-          <a:xfrm>
-            <a:off x="0" y="0"/>
-            <a:ext cx="2438400" cy="2438400"/>
-          </a:xfrm>
-          <a:prstGeom prst="rect">
-            <a:avLst/>
-          </a:prstGeom>
-        </p:spPr>
-      </p:pic>
-    </p:spTree>
-    <p:extLst>
-      <p:ext uri="{BB962C8B-B14F-4D97-AF65-F5344CB8AC3E}">
-        <p14:creationId xmlns:p14="http://schemas.microsoft.com/office/powerpoint/2010/main" val="4189699790"/>
-      </p:ext>
-    </p:extLst>
-  </p:cSld>
-  <p:clrMapOvr>
-    <a:masterClrMapping/>
-  </p:clrMapOvr>
-</p:sld>
-</file>
-
-<file path=ppt/slides/slide11.xml><?xml version="1.0" encoding="utf-8"?>
-<p:sld xmlns:a="http://schemas.openxmlformats.org/drawingml/2006/main" xmlns:r="http://schemas.openxmlformats.org/officeDocument/2006/relationships" xmlns:p="http://schemas.openxmlformats.org/presentationml/2006/main">
-  <p:cSld>
-    <p:spTree>
-      <p:nvGrpSpPr>
-        <p:cNvPr id="1" name=""/>
-        <p:cNvGrpSpPr/>
-        <p:nvPr/>
-      </p:nvGrpSpPr>
-      <p:grpSpPr>
-        <a:xfrm>
-          <a:off x="0" y="0"/>
-          <a:ext cx="0" cy="0"/>
-          <a:chOff x="0" y="0"/>
-          <a:chExt cx="0" cy="0"/>
-        </a:xfrm>
-      </p:grpSpPr>
-      <p:pic>
-        <p:nvPicPr>
-          <p:cNvPr id="7" name="图片 6">
-            <a:extLst>
-              <a:ext uri="{FF2B5EF4-FFF2-40B4-BE49-F238E27FC236}">
-                <a16:creationId xmlns:a16="http://schemas.microsoft.com/office/drawing/2014/main" id="{6D3CDC5A-6636-1AB7-AB16-649414DB1B6C}"/>
-              </a:ext>
-            </a:extLst>
-          </p:cNvPr>
-          <p:cNvPicPr>
-            <a:picLocks noChangeAspect="1"/>
-          </p:cNvPicPr>
-          <p:nvPr/>
-        </p:nvPicPr>
-        <p:blipFill>
-          <a:blip r:embed="rId3">
-            <a:alphaModFix amt="35000"/>
-            <a:extLst>
-              <a:ext uri="{28A0092B-C50C-407E-A947-70E740481C1C}">
-                <a14:useLocalDpi xmlns:a14="http://schemas.microsoft.com/office/drawing/2010/main" val="0"/>
-              </a:ext>
-            </a:extLst>
-          </a:blip>
-          <a:srcRect/>
-          <a:stretch/>
-        </p:blipFill>
-        <p:spPr>
-          <a:xfrm>
-            <a:off x="0" y="0"/>
-            <a:ext cx="2438400" cy="2438400"/>
-          </a:xfrm>
-          <a:prstGeom prst="rect">
-            <a:avLst/>
-          </a:prstGeom>
-        </p:spPr>
-      </p:pic>
-      <p:sp>
-        <p:nvSpPr>
-          <p:cNvPr id="2" name="文本框 1">
-            <a:extLst>
-              <a:ext uri="{FF2B5EF4-FFF2-40B4-BE49-F238E27FC236}">
-                <a16:creationId xmlns:a16="http://schemas.microsoft.com/office/drawing/2014/main" id="{3F2CF135-E02D-E0E6-E1B8-A5A062F78D2F}"/>
-              </a:ext>
-            </a:extLst>
-          </p:cNvPr>
-          <p:cNvSpPr txBox="1"/>
-          <p:nvPr/>
-        </p:nvSpPr>
-        <p:spPr>
-          <a:xfrm>
-            <a:off x="-2541247" y="196763"/>
-            <a:ext cx="2438399" cy="923330"/>
-          </a:xfrm>
-          <a:prstGeom prst="rect">
-            <a:avLst/>
-          </a:prstGeom>
-          <a:noFill/>
-        </p:spPr>
-        <p:txBody>
-          <a:bodyPr wrap="square" rtlCol="0">
-            <a:spAutoFit/>
-          </a:bodyPr>
-          <a:lstStyle/>
-          <a:p>
-            <a:pPr algn="ctr"/>
-            <a:r>
-              <a:rPr lang="en-US" altLang="zh-CN" sz="5400" dirty="0">
-                <a:latin typeface="Microsoft YaHei UI" panose="020B0503020204020204" pitchFamily="34" charset="-122"/>
-                <a:ea typeface="Microsoft YaHei UI" panose="020B0503020204020204" pitchFamily="34" charset="-122"/>
-              </a:rPr>
-              <a:t>Vista</a:t>
-            </a:r>
-            <a:endParaRPr lang="zh-CN" altLang="en-US" sz="5400" dirty="0">
-              <a:latin typeface="Microsoft YaHei UI" panose="020B0503020204020204" pitchFamily="34" charset="-122"/>
-              <a:ea typeface="Microsoft YaHei UI" panose="020B0503020204020204" pitchFamily="34" charset="-122"/>
-            </a:endParaRPr>
-          </a:p>
-        </p:txBody>
-      </p:sp>
-      <p:grpSp>
-        <p:nvGrpSpPr>
-          <p:cNvPr id="12" name="组合 11">
-            <a:extLst>
-              <a:ext uri="{FF2B5EF4-FFF2-40B4-BE49-F238E27FC236}">
-                <a16:creationId xmlns:a16="http://schemas.microsoft.com/office/drawing/2014/main" id="{405F499C-9EAC-D97C-2D9F-77C6F4758E04}"/>
-              </a:ext>
-            </a:extLst>
-          </p:cNvPr>
-          <p:cNvGrpSpPr/>
-          <p:nvPr/>
-        </p:nvGrpSpPr>
-        <p:grpSpPr>
-          <a:xfrm>
-            <a:off x="0" y="0"/>
-            <a:ext cx="2438400" cy="2438399"/>
-            <a:chOff x="0" y="0"/>
-            <a:chExt cx="2438400" cy="2438399"/>
-          </a:xfrm>
-        </p:grpSpPr>
-        <p:pic>
-          <p:nvPicPr>
-            <p:cNvPr id="3" name="图片 2">
-              <a:extLst>
-                <a:ext uri="{FF2B5EF4-FFF2-40B4-BE49-F238E27FC236}">
-                  <a16:creationId xmlns:a16="http://schemas.microsoft.com/office/drawing/2014/main" id="{1394BB66-00B2-5201-A086-CC8336225696}"/>
-                </a:ext>
-              </a:extLst>
-            </p:cNvPr>
-            <p:cNvPicPr>
-              <a:picLocks noChangeAspect="1"/>
-            </p:cNvPicPr>
-            <p:nvPr/>
-          </p:nvPicPr>
-          <p:blipFill rotWithShape="1">
-            <a:blip r:embed="rId4">
-              <a:extLst>
-                <a:ext uri="{28A0092B-C50C-407E-A947-70E740481C1C}">
-                  <a14:useLocalDpi xmlns:a14="http://schemas.microsoft.com/office/drawing/2010/main" val="0"/>
-                </a:ext>
-              </a:extLst>
-            </a:blip>
-            <a:srcRect t="3311"/>
-            <a:stretch/>
-          </p:blipFill>
-          <p:spPr>
-            <a:xfrm>
-              <a:off x="302520" y="0"/>
-              <a:ext cx="1831472" cy="1770828"/>
-            </a:xfrm>
-            <a:prstGeom prst="rect">
-              <a:avLst/>
-            </a:prstGeom>
-          </p:spPr>
-        </p:pic>
-        <p:pic>
-          <p:nvPicPr>
-            <p:cNvPr id="8" name="图片 7">
-              <a:extLst>
-                <a:ext uri="{FF2B5EF4-FFF2-40B4-BE49-F238E27FC236}">
-                  <a16:creationId xmlns:a16="http://schemas.microsoft.com/office/drawing/2014/main" id="{48E579F7-6197-E432-3DF4-F3914F4C01D0}"/>
-                </a:ext>
-              </a:extLst>
-            </p:cNvPr>
-            <p:cNvPicPr>
-              <a:picLocks noChangeAspect="1"/>
-            </p:cNvPicPr>
-            <p:nvPr/>
-          </p:nvPicPr>
-          <p:blipFill rotWithShape="1">
-            <a:blip r:embed="rId5"/>
-            <a:srcRect l="-682" t="14400" r="682" b="24074"/>
-            <a:stretch/>
-          </p:blipFill>
-          <p:spPr>
-            <a:xfrm>
-              <a:off x="0" y="1542010"/>
-              <a:ext cx="2438400" cy="896389"/>
-            </a:xfrm>
-            <a:prstGeom prst="rect">
-              <a:avLst/>
-            </a:prstGeom>
-          </p:spPr>
-        </p:pic>
-      </p:grpSp>
-    </p:spTree>
-    <p:extLst>
-      <p:ext uri="{BB962C8B-B14F-4D97-AF65-F5344CB8AC3E}">
-        <p14:creationId xmlns:p14="http://schemas.microsoft.com/office/powerpoint/2010/main" val="2594759535"/>
-      </p:ext>
-    </p:extLst>
-  </p:cSld>
-  <p:clrMapOvr>
-    <a:masterClrMapping/>
-  </p:clrMapOvr>
-</p:sld>
-</file>
-
-<file path=ppt/slides/slide12.xml><?xml version="1.0" encoding="utf-8"?>
-<p:sld xmlns:a="http://schemas.openxmlformats.org/drawingml/2006/main" xmlns:r="http://schemas.openxmlformats.org/officeDocument/2006/relationships" xmlns:p="http://schemas.openxmlformats.org/presentationml/2006/main">
-  <p:cSld>
-    <p:spTree>
-      <p:nvGrpSpPr>
-        <p:cNvPr id="1" name=""/>
-        <p:cNvGrpSpPr/>
-        <p:nvPr/>
-      </p:nvGrpSpPr>
-      <p:grpSpPr>
-        <a:xfrm>
-          <a:off x="0" y="0"/>
-          <a:ext cx="0" cy="0"/>
-          <a:chOff x="0" y="0"/>
-          <a:chExt cx="0" cy="0"/>
-        </a:xfrm>
-      </p:grpSpPr>
-      <p:pic>
-        <p:nvPicPr>
-          <p:cNvPr id="3" name="图片 2">
-            <a:extLst>
-              <a:ext uri="{FF2B5EF4-FFF2-40B4-BE49-F238E27FC236}">
-                <a16:creationId xmlns:a16="http://schemas.microsoft.com/office/drawing/2014/main" id="{E1626A49-AAF4-C761-C022-441C97C17FD0}"/>
-              </a:ext>
-            </a:extLst>
-          </p:cNvPr>
-          <p:cNvPicPr>
-            <a:picLocks noChangeAspect="1"/>
-          </p:cNvPicPr>
-          <p:nvPr/>
-        </p:nvPicPr>
-        <p:blipFill>
-          <a:blip r:embed="rId3">
-            <a:extLst>
-              <a:ext uri="{28A0092B-C50C-407E-A947-70E740481C1C}">
-                <a14:useLocalDpi xmlns:a14="http://schemas.microsoft.com/office/drawing/2010/main" val="0"/>
-              </a:ext>
-            </a:extLst>
-          </a:blip>
-          <a:srcRect/>
-          <a:stretch/>
-        </p:blipFill>
-        <p:spPr>
-          <a:xfrm>
-            <a:off x="0" y="0"/>
-            <a:ext cx="2438400" cy="2438400"/>
-          </a:xfrm>
-          <a:prstGeom prst="rect">
-            <a:avLst/>
-          </a:prstGeom>
-        </p:spPr>
-      </p:pic>
-    </p:spTree>
-    <p:extLst>
-      <p:ext uri="{BB962C8B-B14F-4D97-AF65-F5344CB8AC3E}">
-        <p14:creationId xmlns:p14="http://schemas.microsoft.com/office/powerpoint/2010/main" val="1546473258"/>
-      </p:ext>
-    </p:extLst>
-  </p:cSld>
-  <p:clrMapOvr>
-    <a:masterClrMapping/>
-  </p:clrMapOvr>
-</p:sld>
-</file>
-
-<file path=ppt/slides/slide2.xml><?xml version="1.0" encoding="utf-8"?>
-<p:sld xmlns:a="http://schemas.openxmlformats.org/drawingml/2006/main" xmlns:r="http://schemas.openxmlformats.org/officeDocument/2006/relationships" xmlns:p="http://schemas.openxmlformats.org/presentationml/2006/main">
-  <p:cSld>
-    <p:spTree>
-      <p:nvGrpSpPr>
-        <p:cNvPr id="1" name=""/>
-        <p:cNvGrpSpPr/>
-        <p:nvPr/>
-      </p:nvGrpSpPr>
-      <p:grpSpPr>
-        <a:xfrm>
-          <a:off x="0" y="0"/>
-          <a:ext cx="0" cy="0"/>
-          <a:chOff x="0" y="0"/>
-          <a:chExt cx="0" cy="0"/>
-        </a:xfrm>
-      </p:grpSpPr>
-      <p:pic>
-        <p:nvPicPr>
-          <p:cNvPr id="7" name="图片 6">
-            <a:extLst>
-              <a:ext uri="{FF2B5EF4-FFF2-40B4-BE49-F238E27FC236}">
-                <a16:creationId xmlns:a16="http://schemas.microsoft.com/office/drawing/2014/main" id="{0F5120A5-AEC9-0932-C9E0-AC9C5BB4423B}"/>
-              </a:ext>
-            </a:extLst>
-          </p:cNvPr>
-          <p:cNvPicPr>
-            <a:picLocks noChangeAspect="1"/>
-          </p:cNvPicPr>
-          <p:nvPr/>
-        </p:nvPicPr>
-        <p:blipFill>
-          <a:blip r:embed="rId3">
-            <a:extLst>
-              <a:ext uri="{28A0092B-C50C-407E-A947-70E740481C1C}">
-                <a14:useLocalDpi xmlns:a14="http://schemas.microsoft.com/office/drawing/2010/main" val="0"/>
-              </a:ext>
-            </a:extLst>
-          </a:blip>
-          <a:srcRect/>
-          <a:stretch/>
-        </p:blipFill>
-        <p:spPr>
-          <a:xfrm>
-            <a:off x="0" y="0"/>
-            <a:ext cx="2438400" cy="2438400"/>
-          </a:xfrm>
-          <a:prstGeom prst="rect">
-            <a:avLst/>
-          </a:prstGeom>
-        </p:spPr>
-      </p:pic>
-    </p:spTree>
-    <p:extLst>
-      <p:ext uri="{BB962C8B-B14F-4D97-AF65-F5344CB8AC3E}">
-        <p14:creationId xmlns:p14="http://schemas.microsoft.com/office/powerpoint/2010/main" val="166836975"/>
-      </p:ext>
-    </p:extLst>
-  </p:cSld>
-  <p:clrMapOvr>
-    <a:masterClrMapping/>
-  </p:clrMapOvr>
-</p:sld>
-</file>
-
-<file path=ppt/slides/slide3.xml><?xml version="1.0" encoding="utf-8"?>
-<p:sld xmlns:a="http://schemas.openxmlformats.org/drawingml/2006/main" xmlns:r="http://schemas.openxmlformats.org/officeDocument/2006/relationships" xmlns:p="http://schemas.openxmlformats.org/presentationml/2006/main">
-  <p:cSld>
-    <p:spTree>
-      <p:nvGrpSpPr>
-        <p:cNvPr id="1" name=""/>
-        <p:cNvGrpSpPr/>
-        <p:nvPr/>
-      </p:nvGrpSpPr>
-      <p:grpSpPr>
-        <a:xfrm>
-          <a:off x="0" y="0"/>
-          <a:ext cx="0" cy="0"/>
-          <a:chOff x="0" y="0"/>
-          <a:chExt cx="0" cy="0"/>
-        </a:xfrm>
-      </p:grpSpPr>
-      <p:pic>
-        <p:nvPicPr>
-          <p:cNvPr id="5" name="图片 4">
-            <a:extLst>
-              <a:ext uri="{FF2B5EF4-FFF2-40B4-BE49-F238E27FC236}">
-                <a16:creationId xmlns:a16="http://schemas.microsoft.com/office/drawing/2014/main" id="{21A4610F-E563-46CB-D733-BF7843DDE60D}"/>
-              </a:ext>
-            </a:extLst>
-          </p:cNvPr>
-          <p:cNvPicPr>
-            <a:picLocks noChangeAspect="1"/>
-          </p:cNvPicPr>
-          <p:nvPr/>
-        </p:nvPicPr>
-        <p:blipFill>
-          <a:blip r:embed="rId3">
-            <a:alphaModFix amt="35000"/>
-            <a:extLst>
-              <a:ext uri="{28A0092B-C50C-407E-A947-70E740481C1C}">
-                <a14:useLocalDpi xmlns:a14="http://schemas.microsoft.com/office/drawing/2010/main" val="0"/>
-              </a:ext>
-            </a:extLst>
-          </a:blip>
-          <a:srcRect/>
-          <a:stretch/>
-        </p:blipFill>
-        <p:spPr>
-          <a:xfrm>
-            <a:off x="0" y="0"/>
-            <a:ext cx="2438400" cy="2438400"/>
-          </a:xfrm>
-          <a:prstGeom prst="rect">
-            <a:avLst/>
-          </a:prstGeom>
-        </p:spPr>
-      </p:pic>
-      <p:sp>
-        <p:nvSpPr>
-          <p:cNvPr id="7" name="文本框 6">
-            <a:extLst>
-              <a:ext uri="{FF2B5EF4-FFF2-40B4-BE49-F238E27FC236}">
-                <a16:creationId xmlns:a16="http://schemas.microsoft.com/office/drawing/2014/main" id="{1DC07963-E4FF-F5D3-1DDF-7664D18CEFF5}"/>
-              </a:ext>
-            </a:extLst>
-          </p:cNvPr>
-          <p:cNvSpPr txBox="1"/>
-          <p:nvPr/>
-        </p:nvSpPr>
-        <p:spPr>
-          <a:xfrm>
-            <a:off x="-2700337" y="578242"/>
-            <a:ext cx="2438399" cy="523220"/>
-          </a:xfrm>
-          <a:prstGeom prst="rect">
-            <a:avLst/>
-          </a:prstGeom>
-          <a:noFill/>
-        </p:spPr>
-        <p:txBody>
-          <a:bodyPr wrap="square" rtlCol="0">
-            <a:spAutoFit/>
-          </a:bodyPr>
-          <a:lstStyle/>
-          <a:p>
-            <a:pPr algn="ctr"/>
-            <a:r>
-              <a:rPr lang="en-US" altLang="zh-CN" sz="2800" b="1" dirty="0">
-                <a:gradFill>
-                  <a:gsLst>
-                    <a:gs pos="0">
-                      <a:srgbClr val="43C6F9"/>
-                    </a:gs>
-                    <a:gs pos="33000">
-                      <a:srgbClr val="1590E0"/>
-                    </a:gs>
-                    <a:gs pos="67000">
-                      <a:srgbClr val="1894E1"/>
-                    </a:gs>
-                    <a:gs pos="100000">
-                      <a:srgbClr val="0A83DA"/>
-                    </a:gs>
-                  </a:gsLst>
-                  <a:lin ang="5400000" scaled="1"/>
-                </a:gradFill>
-                <a:latin typeface="Microsoft YaHei UI" panose="020B0503020204020204" pitchFamily="34" charset="-122"/>
-                <a:ea typeface="Microsoft YaHei UI" panose="020B0503020204020204" pitchFamily="34" charset="-122"/>
-              </a:rPr>
-              <a:t>Windows 11</a:t>
-            </a:r>
-            <a:endParaRPr lang="zh-CN" altLang="en-US" sz="2800" b="1" dirty="0">
-              <a:gradFill>
-                <a:gsLst>
-                  <a:gs pos="0">
-                    <a:srgbClr val="43C6F9"/>
-                  </a:gs>
-                  <a:gs pos="33000">
-                    <a:srgbClr val="1590E0"/>
-                  </a:gs>
-                  <a:gs pos="67000">
-                    <a:srgbClr val="1894E1"/>
-                  </a:gs>
-                  <a:gs pos="100000">
-                    <a:srgbClr val="0A83DA"/>
-                  </a:gs>
-                </a:gsLst>
-                <a:lin ang="5400000" scaled="1"/>
-              </a:gradFill>
-              <a:latin typeface="Microsoft YaHei UI" panose="020B0503020204020204" pitchFamily="34" charset="-122"/>
-              <a:ea typeface="Microsoft YaHei UI" panose="020B0503020204020204" pitchFamily="34" charset="-122"/>
-            </a:endParaRPr>
-          </a:p>
-        </p:txBody>
-      </p:sp>
-      <p:grpSp>
-        <p:nvGrpSpPr>
-          <p:cNvPr id="14" name="组合 13">
-            <a:extLst>
-              <a:ext uri="{FF2B5EF4-FFF2-40B4-BE49-F238E27FC236}">
-                <a16:creationId xmlns:a16="http://schemas.microsoft.com/office/drawing/2014/main" id="{B11CB9EE-524A-ED0B-7726-878EFF1C6AA4}"/>
-              </a:ext>
-            </a:extLst>
-          </p:cNvPr>
-          <p:cNvGrpSpPr/>
-          <p:nvPr/>
-        </p:nvGrpSpPr>
-        <p:grpSpPr>
-          <a:xfrm>
-            <a:off x="1" y="0"/>
-            <a:ext cx="2438400" cy="2438399"/>
-            <a:chOff x="1" y="0"/>
-            <a:chExt cx="2438400" cy="2438399"/>
-          </a:xfrm>
-        </p:grpSpPr>
-        <p:pic>
-          <p:nvPicPr>
-            <p:cNvPr id="10" name="图片 9">
-              <a:extLst>
-                <a:ext uri="{FF2B5EF4-FFF2-40B4-BE49-F238E27FC236}">
-                  <a16:creationId xmlns:a16="http://schemas.microsoft.com/office/drawing/2014/main" id="{1DA1B29D-12AB-D824-99C7-FA53B31BE903}"/>
-                </a:ext>
-              </a:extLst>
-            </p:cNvPr>
-            <p:cNvPicPr>
-              <a:picLocks noChangeAspect="1"/>
-            </p:cNvPicPr>
-            <p:nvPr/>
-          </p:nvPicPr>
-          <p:blipFill rotWithShape="1">
-            <a:blip r:embed="rId4"/>
-            <a:srcRect l="-1535" r="1535" b="-29386"/>
-            <a:stretch/>
-          </p:blipFill>
-          <p:spPr>
-            <a:xfrm>
-              <a:off x="1" y="1760084"/>
-              <a:ext cx="2438400" cy="678315"/>
-            </a:xfrm>
-            <a:prstGeom prst="rect">
-              <a:avLst/>
-            </a:prstGeom>
-          </p:spPr>
-        </p:pic>
-        <p:pic>
-          <p:nvPicPr>
-            <p:cNvPr id="3" name="图片 2">
-              <a:extLst>
-                <a:ext uri="{FF2B5EF4-FFF2-40B4-BE49-F238E27FC236}">
-                  <a16:creationId xmlns:a16="http://schemas.microsoft.com/office/drawing/2014/main" id="{CDEB5A9E-5998-956D-46EB-772718F16744}"/>
-                </a:ext>
-              </a:extLst>
-            </p:cNvPr>
-            <p:cNvPicPr>
-              <a:picLocks noChangeAspect="1"/>
-            </p:cNvPicPr>
-            <p:nvPr/>
-          </p:nvPicPr>
-          <p:blipFill rotWithShape="1">
-            <a:blip r:embed="rId5">
-              <a:extLst>
-                <a:ext uri="{28A0092B-C50C-407E-A947-70E740481C1C}">
-                  <a14:useLocalDpi xmlns:a14="http://schemas.microsoft.com/office/drawing/2010/main" val="0"/>
-                </a:ext>
-              </a:extLst>
-            </a:blip>
-            <a:srcRect t="-2321"/>
-            <a:stretch/>
-          </p:blipFill>
-          <p:spPr>
-            <a:xfrm>
-              <a:off x="399978" y="0"/>
-              <a:ext cx="1641600" cy="1679704"/>
-            </a:xfrm>
-            <a:prstGeom prst="rect">
-              <a:avLst/>
-            </a:prstGeom>
-          </p:spPr>
-        </p:pic>
-      </p:grpSp>
-    </p:spTree>
-    <p:extLst>
-      <p:ext uri="{BB962C8B-B14F-4D97-AF65-F5344CB8AC3E}">
-        <p14:creationId xmlns:p14="http://schemas.microsoft.com/office/powerpoint/2010/main" val="3574120906"/>
-      </p:ext>
-    </p:extLst>
-  </p:cSld>
-  <p:clrMapOvr>
-    <a:masterClrMapping/>
-  </p:clrMapOvr>
-</p:sld>
-</file>
-
-<file path=ppt/slides/slide4.xml><?xml version="1.0" encoding="utf-8"?>
-<p:sld xmlns:a="http://schemas.openxmlformats.org/drawingml/2006/main" xmlns:r="http://schemas.openxmlformats.org/officeDocument/2006/relationships" xmlns:p="http://schemas.openxmlformats.org/presentationml/2006/main">
-  <p:cSld>
-    <p:spTree>
-      <p:nvGrpSpPr>
-        <p:cNvPr id="1" name=""/>
-        <p:cNvGrpSpPr/>
-        <p:nvPr/>
-      </p:nvGrpSpPr>
-      <p:grpSpPr>
-        <a:xfrm>
-          <a:off x="0" y="0"/>
-          <a:ext cx="0" cy="0"/>
-          <a:chOff x="0" y="0"/>
-          <a:chExt cx="0" cy="0"/>
-        </a:xfrm>
-      </p:grpSpPr>
-      <p:pic>
-        <p:nvPicPr>
-          <p:cNvPr id="3" name="图片 2">
-            <a:extLst>
-              <a:ext uri="{FF2B5EF4-FFF2-40B4-BE49-F238E27FC236}">
-                <a16:creationId xmlns:a16="http://schemas.microsoft.com/office/drawing/2014/main" id="{7C520620-5EB8-2F11-1B17-F68EF2B85025}"/>
-              </a:ext>
-            </a:extLst>
-          </p:cNvPr>
-          <p:cNvPicPr>
-            <a:picLocks noChangeAspect="1"/>
-          </p:cNvPicPr>
-          <p:nvPr/>
-        </p:nvPicPr>
-        <p:blipFill>
-          <a:blip r:embed="rId3">
-            <a:extLst>
-              <a:ext uri="{28A0092B-C50C-407E-A947-70E740481C1C}">
-                <a14:useLocalDpi xmlns:a14="http://schemas.microsoft.com/office/drawing/2010/main" val="0"/>
-              </a:ext>
-            </a:extLst>
-          </a:blip>
-          <a:srcRect/>
-          <a:stretch/>
-        </p:blipFill>
-        <p:spPr>
-          <a:xfrm>
-            <a:off x="0" y="0"/>
-            <a:ext cx="2438400" cy="2438400"/>
-          </a:xfrm>
-          <a:prstGeom prst="rect">
-            <a:avLst/>
-          </a:prstGeom>
-        </p:spPr>
-      </p:pic>
-    </p:spTree>
-    <p:extLst>
-      <p:ext uri="{BB962C8B-B14F-4D97-AF65-F5344CB8AC3E}">
-        <p14:creationId xmlns:p14="http://schemas.microsoft.com/office/powerpoint/2010/main" val="541746426"/>
-      </p:ext>
-    </p:extLst>
-  </p:cSld>
-  <p:clrMapOvr>
-    <a:masterClrMapping/>
-  </p:clrMapOvr>
-</p:sld>
-</file>
-
-<file path=ppt/slides/slide5.xml><?xml version="1.0" encoding="utf-8"?>
-<p:sld xmlns:a="http://schemas.openxmlformats.org/drawingml/2006/main" xmlns:r="http://schemas.openxmlformats.org/officeDocument/2006/relationships" xmlns:p="http://schemas.openxmlformats.org/presentationml/2006/main">
-  <p:cSld>
-    <p:spTree>
-      <p:nvGrpSpPr>
-        <p:cNvPr id="1" name=""/>
-        <p:cNvGrpSpPr/>
-        <p:nvPr/>
-      </p:nvGrpSpPr>
-      <p:grpSpPr>
-        <a:xfrm>
-          <a:off x="0" y="0"/>
-          <a:ext cx="0" cy="0"/>
-          <a:chOff x="0" y="0"/>
-          <a:chExt cx="0" cy="0"/>
-        </a:xfrm>
-      </p:grpSpPr>
-      <p:pic>
-        <p:nvPicPr>
-          <p:cNvPr id="2" name="图片 1">
-            <a:extLst>
-              <a:ext uri="{FF2B5EF4-FFF2-40B4-BE49-F238E27FC236}">
-                <a16:creationId xmlns:a16="http://schemas.microsoft.com/office/drawing/2014/main" id="{421D1B28-491C-8411-9002-3D06CAD41C87}"/>
-              </a:ext>
-            </a:extLst>
-          </p:cNvPr>
-          <p:cNvPicPr>
-            <a:picLocks noChangeAspect="1"/>
-          </p:cNvPicPr>
-          <p:nvPr/>
-        </p:nvPicPr>
-        <p:blipFill>
-          <a:blip r:embed="rId3">
-            <a:alphaModFix amt="35000"/>
-            <a:extLst>
-              <a:ext uri="{28A0092B-C50C-407E-A947-70E740481C1C}">
-                <a14:useLocalDpi xmlns:a14="http://schemas.microsoft.com/office/drawing/2010/main" val="0"/>
-              </a:ext>
-            </a:extLst>
-          </a:blip>
-          <a:srcRect/>
-          <a:stretch/>
-        </p:blipFill>
-        <p:spPr>
-          <a:xfrm>
-            <a:off x="0" y="0"/>
-            <a:ext cx="2438400" cy="2438400"/>
-          </a:xfrm>
-          <a:prstGeom prst="rect">
-            <a:avLst/>
-          </a:prstGeom>
-        </p:spPr>
-      </p:pic>
-      <p:sp>
-        <p:nvSpPr>
-          <p:cNvPr id="4" name="文本框 3">
-            <a:extLst>
-              <a:ext uri="{FF2B5EF4-FFF2-40B4-BE49-F238E27FC236}">
-                <a16:creationId xmlns:a16="http://schemas.microsoft.com/office/drawing/2014/main" id="{5354FA49-E0DE-2F8B-23C2-ABDB9A4C0039}"/>
-              </a:ext>
-            </a:extLst>
-          </p:cNvPr>
-          <p:cNvSpPr txBox="1"/>
-          <p:nvPr/>
-        </p:nvSpPr>
-        <p:spPr>
-          <a:xfrm>
-            <a:off x="-2728912" y="508310"/>
-            <a:ext cx="2438399" cy="523220"/>
-          </a:xfrm>
-          <a:prstGeom prst="rect">
-            <a:avLst/>
-          </a:prstGeom>
-          <a:noFill/>
-        </p:spPr>
-        <p:txBody>
-          <a:bodyPr wrap="square" rtlCol="0">
-            <a:spAutoFit/>
-          </a:bodyPr>
-          <a:lstStyle/>
-          <a:p>
-            <a:pPr algn="ctr"/>
-            <a:r>
-              <a:rPr lang="en-US" altLang="zh-CN" sz="2800" b="1" dirty="0">
-                <a:solidFill>
-                  <a:srgbClr val="00B6F0"/>
-                </a:solidFill>
-                <a:latin typeface="Microsoft YaHei UI" panose="020B0503020204020204" pitchFamily="34" charset="-122"/>
-                <a:ea typeface="Microsoft YaHei UI" panose="020B0503020204020204" pitchFamily="34" charset="-122"/>
-              </a:rPr>
-              <a:t>Windows 10</a:t>
-            </a:r>
-            <a:endParaRPr lang="zh-CN" altLang="en-US" sz="2800" b="1" dirty="0">
-              <a:solidFill>
-                <a:srgbClr val="00B6F0"/>
-              </a:solidFill>
-              <a:latin typeface="Microsoft YaHei UI" panose="020B0503020204020204" pitchFamily="34" charset="-122"/>
-              <a:ea typeface="Microsoft YaHei UI" panose="020B0503020204020204" pitchFamily="34" charset="-122"/>
-            </a:endParaRPr>
-          </a:p>
-        </p:txBody>
-      </p:sp>
-      <p:grpSp>
-        <p:nvGrpSpPr>
-          <p:cNvPr id="12" name="组合 11">
-            <a:extLst>
-              <a:ext uri="{FF2B5EF4-FFF2-40B4-BE49-F238E27FC236}">
-                <a16:creationId xmlns:a16="http://schemas.microsoft.com/office/drawing/2014/main" id="{92547F46-E45F-1453-4BFC-45EA5CDC5F1A}"/>
-              </a:ext>
-            </a:extLst>
-          </p:cNvPr>
-          <p:cNvGrpSpPr/>
-          <p:nvPr/>
-        </p:nvGrpSpPr>
-        <p:grpSpPr>
-          <a:xfrm>
-            <a:off x="1" y="0"/>
-            <a:ext cx="2438400" cy="2438400"/>
-            <a:chOff x="1" y="0"/>
-            <a:chExt cx="2438400" cy="2438400"/>
-          </a:xfrm>
-        </p:grpSpPr>
-        <p:pic>
-          <p:nvPicPr>
-            <p:cNvPr id="5" name="图片 4">
-              <a:extLst>
-                <a:ext uri="{FF2B5EF4-FFF2-40B4-BE49-F238E27FC236}">
-                  <a16:creationId xmlns:a16="http://schemas.microsoft.com/office/drawing/2014/main" id="{3049CDDE-F968-27F4-C264-87F28535A869}"/>
-                </a:ext>
-              </a:extLst>
-            </p:cNvPr>
-            <p:cNvPicPr>
-              <a:picLocks noChangeAspect="1"/>
-            </p:cNvPicPr>
-            <p:nvPr/>
-          </p:nvPicPr>
-          <p:blipFill rotWithShape="1">
-            <a:blip r:embed="rId4">
-              <a:extLst>
-                <a:ext uri="{28A0092B-C50C-407E-A947-70E740481C1C}">
-                  <a14:useLocalDpi xmlns:a14="http://schemas.microsoft.com/office/drawing/2010/main" val="0"/>
-                </a:ext>
-              </a:extLst>
-            </a:blip>
-            <a:srcRect t="-4921" b="-1"/>
-            <a:stretch/>
-          </p:blipFill>
-          <p:spPr>
-            <a:xfrm>
-              <a:off x="438081" y="0"/>
-              <a:ext cx="1566931" cy="1644053"/>
-            </a:xfrm>
-            <a:prstGeom prst="rect">
-              <a:avLst/>
-            </a:prstGeom>
-          </p:spPr>
-        </p:pic>
-        <p:pic>
-          <p:nvPicPr>
-            <p:cNvPr id="11" name="图片 10">
-              <a:extLst>
-                <a:ext uri="{FF2B5EF4-FFF2-40B4-BE49-F238E27FC236}">
-                  <a16:creationId xmlns:a16="http://schemas.microsoft.com/office/drawing/2014/main" id="{F22D32DB-0EE8-54C8-0F99-A60C46CF50C5}"/>
-                </a:ext>
-              </a:extLst>
-            </p:cNvPr>
-            <p:cNvPicPr>
-              <a:picLocks noChangeAspect="1"/>
-            </p:cNvPicPr>
-            <p:nvPr/>
-          </p:nvPicPr>
-          <p:blipFill rotWithShape="1">
-            <a:blip r:embed="rId5"/>
-            <a:srcRect l="3597" t="1" r="4383" b="883"/>
-            <a:stretch/>
-          </p:blipFill>
-          <p:spPr>
-            <a:xfrm>
-              <a:off x="1" y="1694023"/>
-              <a:ext cx="2438400" cy="744377"/>
-            </a:xfrm>
-            <a:prstGeom prst="rect">
-              <a:avLst/>
-            </a:prstGeom>
-          </p:spPr>
-        </p:pic>
-      </p:grpSp>
-    </p:spTree>
-    <p:extLst>
-      <p:ext uri="{BB962C8B-B14F-4D97-AF65-F5344CB8AC3E}">
-        <p14:creationId xmlns:p14="http://schemas.microsoft.com/office/powerpoint/2010/main" val="4206532948"/>
-      </p:ext>
-    </p:extLst>
-  </p:cSld>
-  <p:clrMapOvr>
-    <a:masterClrMapping/>
-  </p:clrMapOvr>
-</p:sld>
-</file>
-
-<file path=ppt/slides/slide6.xml><?xml version="1.0" encoding="utf-8"?>
-<p:sld xmlns:a="http://schemas.openxmlformats.org/drawingml/2006/main" xmlns:r="http://schemas.openxmlformats.org/officeDocument/2006/relationships" xmlns:p="http://schemas.openxmlformats.org/presentationml/2006/main">
-  <p:cSld>
-    <p:spTree>
-      <p:nvGrpSpPr>
-        <p:cNvPr id="1" name=""/>
-        <p:cNvGrpSpPr/>
-        <p:nvPr/>
-      </p:nvGrpSpPr>
-      <p:grpSpPr>
-        <a:xfrm>
-          <a:off x="0" y="0"/>
-          <a:ext cx="0" cy="0"/>
-          <a:chOff x="0" y="0"/>
-          <a:chExt cx="0" cy="0"/>
-        </a:xfrm>
-      </p:grpSpPr>
-      <p:pic>
-        <p:nvPicPr>
-          <p:cNvPr id="3" name="图片 2">
-            <a:extLst>
-              <a:ext uri="{FF2B5EF4-FFF2-40B4-BE49-F238E27FC236}">
-                <a16:creationId xmlns:a16="http://schemas.microsoft.com/office/drawing/2014/main" id="{518A8284-EB91-8EA8-B171-3C8E4D2AA6DB}"/>
-              </a:ext>
-            </a:extLst>
-          </p:cNvPr>
-          <p:cNvPicPr>
-            <a:picLocks noChangeAspect="1"/>
-          </p:cNvPicPr>
-          <p:nvPr/>
-        </p:nvPicPr>
-        <p:blipFill>
-          <a:blip r:embed="rId3">
-            <a:extLst>
-              <a:ext uri="{28A0092B-C50C-407E-A947-70E740481C1C}">
-                <a14:useLocalDpi xmlns:a14="http://schemas.microsoft.com/office/drawing/2010/main" val="0"/>
-              </a:ext>
-            </a:extLst>
-          </a:blip>
-          <a:srcRect/>
-          <a:stretch/>
-        </p:blipFill>
-        <p:spPr>
-          <a:xfrm>
-            <a:off x="0" y="0"/>
-            <a:ext cx="2438400" cy="2438400"/>
-          </a:xfrm>
-          <a:prstGeom prst="rect">
-            <a:avLst/>
-          </a:prstGeom>
-        </p:spPr>
-      </p:pic>
-    </p:spTree>
-    <p:extLst>
-      <p:ext uri="{BB962C8B-B14F-4D97-AF65-F5344CB8AC3E}">
-        <p14:creationId xmlns:p14="http://schemas.microsoft.com/office/powerpoint/2010/main" val="1795168448"/>
-      </p:ext>
-    </p:extLst>
-  </p:cSld>
-  <p:clrMapOvr>
-    <a:masterClrMapping/>
-  </p:clrMapOvr>
-</p:sld>
-</file>
-
-<file path=ppt/slides/slide7.xml><?xml version="1.0" encoding="utf-8"?>
-<p:sld xmlns:a="http://schemas.openxmlformats.org/drawingml/2006/main" xmlns:r="http://schemas.openxmlformats.org/officeDocument/2006/relationships" xmlns:p="http://schemas.openxmlformats.org/presentationml/2006/main">
-  <p:cSld>
-    <p:spTree>
-      <p:nvGrpSpPr>
-        <p:cNvPr id="1" name=""/>
-        <p:cNvGrpSpPr/>
-        <p:nvPr/>
-      </p:nvGrpSpPr>
-      <p:grpSpPr>
-        <a:xfrm>
-          <a:off x="0" y="0"/>
-          <a:ext cx="0" cy="0"/>
-          <a:chOff x="0" y="0"/>
-          <a:chExt cx="0" cy="0"/>
-        </a:xfrm>
-      </p:grpSpPr>
-      <p:pic>
-        <p:nvPicPr>
-          <p:cNvPr id="7" name="图片 6">
-            <a:extLst>
-              <a:ext uri="{FF2B5EF4-FFF2-40B4-BE49-F238E27FC236}">
-                <a16:creationId xmlns:a16="http://schemas.microsoft.com/office/drawing/2014/main" id="{5CF15BF4-A95E-CB68-0A5B-F6AB2BBEBF41}"/>
-              </a:ext>
-            </a:extLst>
-          </p:cNvPr>
-          <p:cNvPicPr>
-            <a:picLocks noChangeAspect="1"/>
-          </p:cNvPicPr>
-          <p:nvPr/>
-        </p:nvPicPr>
-        <p:blipFill>
-          <a:blip r:embed="rId3">
-            <a:alphaModFix amt="35000"/>
-            <a:extLst>
-              <a:ext uri="{28A0092B-C50C-407E-A947-70E740481C1C}">
-                <a14:useLocalDpi xmlns:a14="http://schemas.microsoft.com/office/drawing/2010/main" val="0"/>
-              </a:ext>
-            </a:extLst>
-          </a:blip>
-          <a:srcRect/>
-          <a:stretch/>
-        </p:blipFill>
-        <p:spPr>
-          <a:xfrm>
-            <a:off x="0" y="0"/>
-            <a:ext cx="2438400" cy="2438400"/>
-          </a:xfrm>
-          <a:prstGeom prst="rect">
-            <a:avLst/>
-          </a:prstGeom>
-        </p:spPr>
-      </p:pic>
-      <p:sp>
-        <p:nvSpPr>
-          <p:cNvPr id="5" name="文本框 4">
-            <a:extLst>
-              <a:ext uri="{FF2B5EF4-FFF2-40B4-BE49-F238E27FC236}">
-                <a16:creationId xmlns:a16="http://schemas.microsoft.com/office/drawing/2014/main" id="{C4279FA6-FFEF-69FB-B2ED-5B8780B70BBA}"/>
-              </a:ext>
-            </a:extLst>
-          </p:cNvPr>
-          <p:cNvSpPr txBox="1"/>
-          <p:nvPr/>
-        </p:nvSpPr>
-        <p:spPr>
-          <a:xfrm>
-            <a:off x="-2272526" y="487634"/>
-            <a:ext cx="2525750" cy="523220"/>
-          </a:xfrm>
-          <a:prstGeom prst="rect">
-            <a:avLst/>
-          </a:prstGeom>
-          <a:noFill/>
-        </p:spPr>
-        <p:txBody>
-          <a:bodyPr wrap="square" rtlCol="0">
-            <a:spAutoFit/>
-          </a:bodyPr>
-          <a:lstStyle/>
-          <a:p>
-            <a:pPr algn="ctr"/>
-            <a:r>
-              <a:rPr lang="en-US" altLang="zh-CN" sz="2800" b="1" dirty="0">
-                <a:solidFill>
-                  <a:srgbClr val="00CBE5"/>
-                </a:solidFill>
-                <a:latin typeface="Microsoft YaHei UI" panose="020B0503020204020204" pitchFamily="34" charset="-122"/>
-                <a:ea typeface="Microsoft YaHei UI" panose="020B0503020204020204" pitchFamily="34" charset="-122"/>
-              </a:rPr>
-              <a:t>Windows 8.1</a:t>
-            </a:r>
-            <a:endParaRPr lang="zh-CN" altLang="en-US" sz="2800" b="1" dirty="0">
-              <a:solidFill>
-                <a:srgbClr val="00CBE5"/>
-              </a:solidFill>
-              <a:latin typeface="Microsoft YaHei UI" panose="020B0503020204020204" pitchFamily="34" charset="-122"/>
-              <a:ea typeface="Microsoft YaHei UI" panose="020B0503020204020204" pitchFamily="34" charset="-122"/>
-            </a:endParaRPr>
-          </a:p>
-        </p:txBody>
-      </p:sp>
-      <p:grpSp>
-        <p:nvGrpSpPr>
-          <p:cNvPr id="2" name="组合 1">
-            <a:extLst>
-              <a:ext uri="{FF2B5EF4-FFF2-40B4-BE49-F238E27FC236}">
-                <a16:creationId xmlns:a16="http://schemas.microsoft.com/office/drawing/2014/main" id="{FB5AA41D-11E6-DD53-7B32-5285CD9E5CC5}"/>
-              </a:ext>
-            </a:extLst>
-          </p:cNvPr>
-          <p:cNvGrpSpPr/>
-          <p:nvPr/>
-        </p:nvGrpSpPr>
-        <p:grpSpPr>
-          <a:xfrm>
-            <a:off x="1" y="-1"/>
-            <a:ext cx="2438400" cy="2438402"/>
-            <a:chOff x="1" y="-1"/>
-            <a:chExt cx="2438400" cy="2438402"/>
-          </a:xfrm>
-        </p:grpSpPr>
-        <p:pic>
-          <p:nvPicPr>
-            <p:cNvPr id="3" name="图片 2">
-              <a:extLst>
-                <a:ext uri="{FF2B5EF4-FFF2-40B4-BE49-F238E27FC236}">
-                  <a16:creationId xmlns:a16="http://schemas.microsoft.com/office/drawing/2014/main" id="{73D39D51-63AE-D239-2A43-DC69ECB0312A}"/>
-                </a:ext>
-              </a:extLst>
-            </p:cNvPr>
-            <p:cNvPicPr>
-              <a:picLocks noChangeAspect="1"/>
-            </p:cNvPicPr>
-            <p:nvPr/>
-          </p:nvPicPr>
-          <p:blipFill rotWithShape="1">
-            <a:blip r:embed="rId4">
-              <a:extLst>
-                <a:ext uri="{28A0092B-C50C-407E-A947-70E740481C1C}">
-                  <a14:useLocalDpi xmlns:a14="http://schemas.microsoft.com/office/drawing/2010/main" val="0"/>
-                </a:ext>
-              </a:extLst>
-            </a:blip>
-            <a:srcRect t="-3193"/>
-            <a:stretch/>
-          </p:blipFill>
-          <p:spPr>
-            <a:xfrm>
-              <a:off x="410999" y="-1"/>
-              <a:ext cx="1620000" cy="1671733"/>
-            </a:xfrm>
-            <a:prstGeom prst="rect">
-              <a:avLst/>
-            </a:prstGeom>
-          </p:spPr>
-        </p:pic>
-        <p:pic>
-          <p:nvPicPr>
-            <p:cNvPr id="8" name="图片 7">
-              <a:extLst>
-                <a:ext uri="{FF2B5EF4-FFF2-40B4-BE49-F238E27FC236}">
-                  <a16:creationId xmlns:a16="http://schemas.microsoft.com/office/drawing/2014/main" id="{714C9996-37A2-CDE1-48C5-6095372B2D9B}"/>
-                </a:ext>
-              </a:extLst>
-            </p:cNvPr>
-            <p:cNvPicPr>
-              <a:picLocks noChangeAspect="1"/>
-            </p:cNvPicPr>
-            <p:nvPr/>
-          </p:nvPicPr>
-          <p:blipFill rotWithShape="1">
-            <a:blip r:embed="rId5"/>
-            <a:srcRect l="4273" r="7018" b="1192"/>
-            <a:stretch/>
-          </p:blipFill>
-          <p:spPr>
-            <a:xfrm>
-              <a:off x="1" y="1691655"/>
-              <a:ext cx="2438400" cy="746746"/>
-            </a:xfrm>
-            <a:prstGeom prst="rect">
-              <a:avLst/>
-            </a:prstGeom>
-          </p:spPr>
-        </p:pic>
-      </p:grpSp>
-    </p:spTree>
-    <p:extLst>
-      <p:ext uri="{BB962C8B-B14F-4D97-AF65-F5344CB8AC3E}">
-        <p14:creationId xmlns:p14="http://schemas.microsoft.com/office/powerpoint/2010/main" val="3041353655"/>
-      </p:ext>
-    </p:extLst>
-  </p:cSld>
-  <p:clrMapOvr>
-    <a:masterClrMapping/>
-  </p:clrMapOvr>
-</p:sld>
-</file>
-
-<file path=ppt/slides/slide8.xml><?xml version="1.0" encoding="utf-8"?>
-<p:sld xmlns:a="http://schemas.openxmlformats.org/drawingml/2006/main" xmlns:r="http://schemas.openxmlformats.org/officeDocument/2006/relationships" xmlns:p="http://schemas.openxmlformats.org/presentationml/2006/main">
-  <p:cSld>
-    <p:spTree>
-      <p:nvGrpSpPr>
-        <p:cNvPr id="1" name=""/>
-        <p:cNvGrpSpPr/>
-        <p:nvPr/>
-      </p:nvGrpSpPr>
-      <p:grpSpPr>
-        <a:xfrm>
-          <a:off x="0" y="0"/>
-          <a:ext cx="0" cy="0"/>
-          <a:chOff x="0" y="0"/>
-          <a:chExt cx="0" cy="0"/>
-        </a:xfrm>
-      </p:grpSpPr>
-      <p:pic>
-        <p:nvPicPr>
-          <p:cNvPr id="3" name="图片 2">
-            <a:extLst>
-              <a:ext uri="{FF2B5EF4-FFF2-40B4-BE49-F238E27FC236}">
                 <a16:creationId xmlns:a16="http://schemas.microsoft.com/office/drawing/2014/main" id="{74EB8A2A-11F2-A018-5517-89A1F0CE9FB1}"/>
               </a:ext>
             </a:extLst>
@@ -6285,7 +5339,7 @@
 </p:sld>
 </file>
 
-<file path=ppt/slides/slide9.xml><?xml version="1.0" encoding="utf-8"?>
+<file path=ppt/slides/slide11.xml><?xml version="1.0" encoding="utf-8"?>
 <p:sld xmlns:a="http://schemas.openxmlformats.org/drawingml/2006/main" xmlns:r="http://schemas.openxmlformats.org/officeDocument/2006/relationships" xmlns:p="http://schemas.openxmlformats.org/presentationml/2006/main">
   <p:cSld>
     <p:spTree>
@@ -6523,6 +5577,1425 @@
     <p:extLst>
       <p:ext uri="{BB962C8B-B14F-4D97-AF65-F5344CB8AC3E}">
         <p14:creationId xmlns:p14="http://schemas.microsoft.com/office/powerpoint/2010/main" val="2411202632"/>
+      </p:ext>
+    </p:extLst>
+  </p:cSld>
+  <p:clrMapOvr>
+    <a:masterClrMapping/>
+  </p:clrMapOvr>
+</p:sld>
+</file>
+
+<file path=ppt/slides/slide12.xml><?xml version="1.0" encoding="utf-8"?>
+<p:sld xmlns:a="http://schemas.openxmlformats.org/drawingml/2006/main" xmlns:r="http://schemas.openxmlformats.org/officeDocument/2006/relationships" xmlns:p="http://schemas.openxmlformats.org/presentationml/2006/main">
+  <p:cSld>
+    <p:spTree>
+      <p:nvGrpSpPr>
+        <p:cNvPr id="1" name=""/>
+        <p:cNvGrpSpPr/>
+        <p:nvPr/>
+      </p:nvGrpSpPr>
+      <p:grpSpPr>
+        <a:xfrm>
+          <a:off x="0" y="0"/>
+          <a:ext cx="0" cy="0"/>
+          <a:chOff x="0" y="0"/>
+          <a:chExt cx="0" cy="0"/>
+        </a:xfrm>
+      </p:grpSpPr>
+      <p:pic>
+        <p:nvPicPr>
+          <p:cNvPr id="3" name="图片 2">
+            <a:extLst>
+              <a:ext uri="{FF2B5EF4-FFF2-40B4-BE49-F238E27FC236}">
+                <a16:creationId xmlns:a16="http://schemas.microsoft.com/office/drawing/2014/main" id="{26A1F47F-258D-3038-7091-6EAB9294E315}"/>
+              </a:ext>
+            </a:extLst>
+          </p:cNvPr>
+          <p:cNvPicPr>
+            <a:picLocks noChangeAspect="1"/>
+          </p:cNvPicPr>
+          <p:nvPr/>
+        </p:nvPicPr>
+        <p:blipFill>
+          <a:blip r:embed="rId3">
+            <a:extLst>
+              <a:ext uri="{28A0092B-C50C-407E-A947-70E740481C1C}">
+                <a14:useLocalDpi xmlns:a14="http://schemas.microsoft.com/office/drawing/2010/main" val="0"/>
+              </a:ext>
+            </a:extLst>
+          </a:blip>
+          <a:srcRect/>
+          <a:stretch/>
+        </p:blipFill>
+        <p:spPr>
+          <a:xfrm>
+            <a:off x="0" y="0"/>
+            <a:ext cx="2438400" cy="2438400"/>
+          </a:xfrm>
+          <a:prstGeom prst="rect">
+            <a:avLst/>
+          </a:prstGeom>
+        </p:spPr>
+      </p:pic>
+    </p:spTree>
+    <p:extLst>
+      <p:ext uri="{BB962C8B-B14F-4D97-AF65-F5344CB8AC3E}">
+        <p14:creationId xmlns:p14="http://schemas.microsoft.com/office/powerpoint/2010/main" val="4189699790"/>
+      </p:ext>
+    </p:extLst>
+  </p:cSld>
+  <p:clrMapOvr>
+    <a:masterClrMapping/>
+  </p:clrMapOvr>
+</p:sld>
+</file>
+
+<file path=ppt/slides/slide13.xml><?xml version="1.0" encoding="utf-8"?>
+<p:sld xmlns:a="http://schemas.openxmlformats.org/drawingml/2006/main" xmlns:r="http://schemas.openxmlformats.org/officeDocument/2006/relationships" xmlns:p="http://schemas.openxmlformats.org/presentationml/2006/main">
+  <p:cSld>
+    <p:spTree>
+      <p:nvGrpSpPr>
+        <p:cNvPr id="1" name=""/>
+        <p:cNvGrpSpPr/>
+        <p:nvPr/>
+      </p:nvGrpSpPr>
+      <p:grpSpPr>
+        <a:xfrm>
+          <a:off x="0" y="0"/>
+          <a:ext cx="0" cy="0"/>
+          <a:chOff x="0" y="0"/>
+          <a:chExt cx="0" cy="0"/>
+        </a:xfrm>
+      </p:grpSpPr>
+      <p:pic>
+        <p:nvPicPr>
+          <p:cNvPr id="7" name="图片 6">
+            <a:extLst>
+              <a:ext uri="{FF2B5EF4-FFF2-40B4-BE49-F238E27FC236}">
+                <a16:creationId xmlns:a16="http://schemas.microsoft.com/office/drawing/2014/main" id="{6D3CDC5A-6636-1AB7-AB16-649414DB1B6C}"/>
+              </a:ext>
+            </a:extLst>
+          </p:cNvPr>
+          <p:cNvPicPr>
+            <a:picLocks noChangeAspect="1"/>
+          </p:cNvPicPr>
+          <p:nvPr/>
+        </p:nvPicPr>
+        <p:blipFill>
+          <a:blip r:embed="rId3">
+            <a:alphaModFix amt="35000"/>
+            <a:extLst>
+              <a:ext uri="{28A0092B-C50C-407E-A947-70E740481C1C}">
+                <a14:useLocalDpi xmlns:a14="http://schemas.microsoft.com/office/drawing/2010/main" val="0"/>
+              </a:ext>
+            </a:extLst>
+          </a:blip>
+          <a:srcRect/>
+          <a:stretch/>
+        </p:blipFill>
+        <p:spPr>
+          <a:xfrm>
+            <a:off x="0" y="0"/>
+            <a:ext cx="2438400" cy="2438400"/>
+          </a:xfrm>
+          <a:prstGeom prst="rect">
+            <a:avLst/>
+          </a:prstGeom>
+        </p:spPr>
+      </p:pic>
+      <p:sp>
+        <p:nvSpPr>
+          <p:cNvPr id="2" name="文本框 1">
+            <a:extLst>
+              <a:ext uri="{FF2B5EF4-FFF2-40B4-BE49-F238E27FC236}">
+                <a16:creationId xmlns:a16="http://schemas.microsoft.com/office/drawing/2014/main" id="{3F2CF135-E02D-E0E6-E1B8-A5A062F78D2F}"/>
+              </a:ext>
+            </a:extLst>
+          </p:cNvPr>
+          <p:cNvSpPr txBox="1"/>
+          <p:nvPr/>
+        </p:nvSpPr>
+        <p:spPr>
+          <a:xfrm>
+            <a:off x="-2541247" y="196763"/>
+            <a:ext cx="2438399" cy="923330"/>
+          </a:xfrm>
+          <a:prstGeom prst="rect">
+            <a:avLst/>
+          </a:prstGeom>
+          <a:noFill/>
+        </p:spPr>
+        <p:txBody>
+          <a:bodyPr wrap="square" rtlCol="0">
+            <a:spAutoFit/>
+          </a:bodyPr>
+          <a:lstStyle/>
+          <a:p>
+            <a:pPr algn="ctr"/>
+            <a:r>
+              <a:rPr lang="en-US" altLang="zh-CN" sz="5400" dirty="0">
+                <a:latin typeface="Microsoft YaHei UI" panose="020B0503020204020204" pitchFamily="34" charset="-122"/>
+                <a:ea typeface="Microsoft YaHei UI" panose="020B0503020204020204" pitchFamily="34" charset="-122"/>
+              </a:rPr>
+              <a:t>Vista</a:t>
+            </a:r>
+            <a:endParaRPr lang="zh-CN" altLang="en-US" sz="5400" dirty="0">
+              <a:latin typeface="Microsoft YaHei UI" panose="020B0503020204020204" pitchFamily="34" charset="-122"/>
+              <a:ea typeface="Microsoft YaHei UI" panose="020B0503020204020204" pitchFamily="34" charset="-122"/>
+            </a:endParaRPr>
+          </a:p>
+        </p:txBody>
+      </p:sp>
+      <p:grpSp>
+        <p:nvGrpSpPr>
+          <p:cNvPr id="12" name="组合 11">
+            <a:extLst>
+              <a:ext uri="{FF2B5EF4-FFF2-40B4-BE49-F238E27FC236}">
+                <a16:creationId xmlns:a16="http://schemas.microsoft.com/office/drawing/2014/main" id="{405F499C-9EAC-D97C-2D9F-77C6F4758E04}"/>
+              </a:ext>
+            </a:extLst>
+          </p:cNvPr>
+          <p:cNvGrpSpPr/>
+          <p:nvPr/>
+        </p:nvGrpSpPr>
+        <p:grpSpPr>
+          <a:xfrm>
+            <a:off x="0" y="0"/>
+            <a:ext cx="2438400" cy="2438399"/>
+            <a:chOff x="0" y="0"/>
+            <a:chExt cx="2438400" cy="2438399"/>
+          </a:xfrm>
+        </p:grpSpPr>
+        <p:pic>
+          <p:nvPicPr>
+            <p:cNvPr id="3" name="图片 2">
+              <a:extLst>
+                <a:ext uri="{FF2B5EF4-FFF2-40B4-BE49-F238E27FC236}">
+                  <a16:creationId xmlns:a16="http://schemas.microsoft.com/office/drawing/2014/main" id="{1394BB66-00B2-5201-A086-CC8336225696}"/>
+                </a:ext>
+              </a:extLst>
+            </p:cNvPr>
+            <p:cNvPicPr>
+              <a:picLocks noChangeAspect="1"/>
+            </p:cNvPicPr>
+            <p:nvPr/>
+          </p:nvPicPr>
+          <p:blipFill rotWithShape="1">
+            <a:blip r:embed="rId4">
+              <a:extLst>
+                <a:ext uri="{28A0092B-C50C-407E-A947-70E740481C1C}">
+                  <a14:useLocalDpi xmlns:a14="http://schemas.microsoft.com/office/drawing/2010/main" val="0"/>
+                </a:ext>
+              </a:extLst>
+            </a:blip>
+            <a:srcRect t="3311"/>
+            <a:stretch/>
+          </p:blipFill>
+          <p:spPr>
+            <a:xfrm>
+              <a:off x="302520" y="0"/>
+              <a:ext cx="1831472" cy="1770828"/>
+            </a:xfrm>
+            <a:prstGeom prst="rect">
+              <a:avLst/>
+            </a:prstGeom>
+          </p:spPr>
+        </p:pic>
+        <p:pic>
+          <p:nvPicPr>
+            <p:cNvPr id="8" name="图片 7">
+              <a:extLst>
+                <a:ext uri="{FF2B5EF4-FFF2-40B4-BE49-F238E27FC236}">
+                  <a16:creationId xmlns:a16="http://schemas.microsoft.com/office/drawing/2014/main" id="{48E579F7-6197-E432-3DF4-F3914F4C01D0}"/>
+                </a:ext>
+              </a:extLst>
+            </p:cNvPr>
+            <p:cNvPicPr>
+              <a:picLocks noChangeAspect="1"/>
+            </p:cNvPicPr>
+            <p:nvPr/>
+          </p:nvPicPr>
+          <p:blipFill rotWithShape="1">
+            <a:blip r:embed="rId5"/>
+            <a:srcRect l="-682" t="14400" r="682" b="24074"/>
+            <a:stretch/>
+          </p:blipFill>
+          <p:spPr>
+            <a:xfrm>
+              <a:off x="0" y="1542010"/>
+              <a:ext cx="2438400" cy="896389"/>
+            </a:xfrm>
+            <a:prstGeom prst="rect">
+              <a:avLst/>
+            </a:prstGeom>
+          </p:spPr>
+        </p:pic>
+      </p:grpSp>
+    </p:spTree>
+    <p:extLst>
+      <p:ext uri="{BB962C8B-B14F-4D97-AF65-F5344CB8AC3E}">
+        <p14:creationId xmlns:p14="http://schemas.microsoft.com/office/powerpoint/2010/main" val="2594759535"/>
+      </p:ext>
+    </p:extLst>
+  </p:cSld>
+  <p:clrMapOvr>
+    <a:masterClrMapping/>
+  </p:clrMapOvr>
+</p:sld>
+</file>
+
+<file path=ppt/slides/slide14.xml><?xml version="1.0" encoding="utf-8"?>
+<p:sld xmlns:a="http://schemas.openxmlformats.org/drawingml/2006/main" xmlns:r="http://schemas.openxmlformats.org/officeDocument/2006/relationships" xmlns:p="http://schemas.openxmlformats.org/presentationml/2006/main">
+  <p:cSld>
+    <p:spTree>
+      <p:nvGrpSpPr>
+        <p:cNvPr id="1" name=""/>
+        <p:cNvGrpSpPr/>
+        <p:nvPr/>
+      </p:nvGrpSpPr>
+      <p:grpSpPr>
+        <a:xfrm>
+          <a:off x="0" y="0"/>
+          <a:ext cx="0" cy="0"/>
+          <a:chOff x="0" y="0"/>
+          <a:chExt cx="0" cy="0"/>
+        </a:xfrm>
+      </p:grpSpPr>
+      <p:pic>
+        <p:nvPicPr>
+          <p:cNvPr id="3" name="图片 2">
+            <a:extLst>
+              <a:ext uri="{FF2B5EF4-FFF2-40B4-BE49-F238E27FC236}">
+                <a16:creationId xmlns:a16="http://schemas.microsoft.com/office/drawing/2014/main" id="{E1626A49-AAF4-C761-C022-441C97C17FD0}"/>
+              </a:ext>
+            </a:extLst>
+          </p:cNvPr>
+          <p:cNvPicPr>
+            <a:picLocks noChangeAspect="1"/>
+          </p:cNvPicPr>
+          <p:nvPr/>
+        </p:nvPicPr>
+        <p:blipFill>
+          <a:blip r:embed="rId3">
+            <a:extLst>
+              <a:ext uri="{28A0092B-C50C-407E-A947-70E740481C1C}">
+                <a14:useLocalDpi xmlns:a14="http://schemas.microsoft.com/office/drawing/2010/main" val="0"/>
+              </a:ext>
+            </a:extLst>
+          </a:blip>
+          <a:srcRect/>
+          <a:stretch/>
+        </p:blipFill>
+        <p:spPr>
+          <a:xfrm>
+            <a:off x="0" y="0"/>
+            <a:ext cx="2438400" cy="2438400"/>
+          </a:xfrm>
+          <a:prstGeom prst="rect">
+            <a:avLst/>
+          </a:prstGeom>
+        </p:spPr>
+      </p:pic>
+    </p:spTree>
+    <p:extLst>
+      <p:ext uri="{BB962C8B-B14F-4D97-AF65-F5344CB8AC3E}">
+        <p14:creationId xmlns:p14="http://schemas.microsoft.com/office/powerpoint/2010/main" val="1546473258"/>
+      </p:ext>
+    </p:extLst>
+  </p:cSld>
+  <p:clrMapOvr>
+    <a:masterClrMapping/>
+  </p:clrMapOvr>
+</p:sld>
+</file>
+
+<file path=ppt/slides/slide2.xml><?xml version="1.0" encoding="utf-8"?>
+<p:sld xmlns:a="http://schemas.openxmlformats.org/drawingml/2006/main" xmlns:r="http://schemas.openxmlformats.org/officeDocument/2006/relationships" xmlns:p="http://schemas.openxmlformats.org/presentationml/2006/main">
+  <p:cSld>
+    <p:spTree>
+      <p:nvGrpSpPr>
+        <p:cNvPr id="1" name=""/>
+        <p:cNvGrpSpPr/>
+        <p:nvPr/>
+      </p:nvGrpSpPr>
+      <p:grpSpPr>
+        <a:xfrm>
+          <a:off x="0" y="0"/>
+          <a:ext cx="0" cy="0"/>
+          <a:chOff x="0" y="0"/>
+          <a:chExt cx="0" cy="0"/>
+        </a:xfrm>
+      </p:grpSpPr>
+      <p:pic>
+        <p:nvPicPr>
+          <p:cNvPr id="7" name="图片 6">
+            <a:extLst>
+              <a:ext uri="{FF2B5EF4-FFF2-40B4-BE49-F238E27FC236}">
+                <a16:creationId xmlns:a16="http://schemas.microsoft.com/office/drawing/2014/main" id="{0F5120A5-AEC9-0932-C9E0-AC9C5BB4423B}"/>
+              </a:ext>
+            </a:extLst>
+          </p:cNvPr>
+          <p:cNvPicPr>
+            <a:picLocks noChangeAspect="1"/>
+          </p:cNvPicPr>
+          <p:nvPr/>
+        </p:nvPicPr>
+        <p:blipFill>
+          <a:blip r:embed="rId3">
+            <a:extLst>
+              <a:ext uri="{28A0092B-C50C-407E-A947-70E740481C1C}">
+                <a14:useLocalDpi xmlns:a14="http://schemas.microsoft.com/office/drawing/2010/main" val="0"/>
+              </a:ext>
+            </a:extLst>
+          </a:blip>
+          <a:srcRect/>
+          <a:stretch/>
+        </p:blipFill>
+        <p:spPr>
+          <a:xfrm>
+            <a:off x="0" y="0"/>
+            <a:ext cx="2438400" cy="2438400"/>
+          </a:xfrm>
+          <a:prstGeom prst="rect">
+            <a:avLst/>
+          </a:prstGeom>
+        </p:spPr>
+      </p:pic>
+    </p:spTree>
+    <p:extLst>
+      <p:ext uri="{BB962C8B-B14F-4D97-AF65-F5344CB8AC3E}">
+        <p14:creationId xmlns:p14="http://schemas.microsoft.com/office/powerpoint/2010/main" val="166836975"/>
+      </p:ext>
+    </p:extLst>
+  </p:cSld>
+  <p:clrMapOvr>
+    <a:masterClrMapping/>
+  </p:clrMapOvr>
+</p:sld>
+</file>
+
+<file path=ppt/slides/slide3.xml><?xml version="1.0" encoding="utf-8"?>
+<p:sld xmlns:a="http://schemas.openxmlformats.org/drawingml/2006/main" xmlns:r="http://schemas.openxmlformats.org/officeDocument/2006/relationships" xmlns:p="http://schemas.openxmlformats.org/presentationml/2006/main">
+  <p:cSld>
+    <p:spTree>
+      <p:nvGrpSpPr>
+        <p:cNvPr id="1" name=""/>
+        <p:cNvGrpSpPr/>
+        <p:nvPr/>
+      </p:nvGrpSpPr>
+      <p:grpSpPr>
+        <a:xfrm>
+          <a:off x="0" y="0"/>
+          <a:ext cx="0" cy="0"/>
+          <a:chOff x="0" y="0"/>
+          <a:chExt cx="0" cy="0"/>
+        </a:xfrm>
+      </p:grpSpPr>
+      <p:pic>
+        <p:nvPicPr>
+          <p:cNvPr id="5" name="图片 4">
+            <a:extLst>
+              <a:ext uri="{FF2B5EF4-FFF2-40B4-BE49-F238E27FC236}">
+                <a16:creationId xmlns:a16="http://schemas.microsoft.com/office/drawing/2014/main" id="{21A4610F-E563-46CB-D733-BF7843DDE60D}"/>
+              </a:ext>
+            </a:extLst>
+          </p:cNvPr>
+          <p:cNvPicPr>
+            <a:picLocks noChangeAspect="1"/>
+          </p:cNvPicPr>
+          <p:nvPr/>
+        </p:nvPicPr>
+        <p:blipFill>
+          <a:blip r:embed="rId3">
+            <a:alphaModFix amt="35000"/>
+            <a:extLst>
+              <a:ext uri="{28A0092B-C50C-407E-A947-70E740481C1C}">
+                <a14:useLocalDpi xmlns:a14="http://schemas.microsoft.com/office/drawing/2010/main" val="0"/>
+              </a:ext>
+            </a:extLst>
+          </a:blip>
+          <a:srcRect/>
+          <a:stretch/>
+        </p:blipFill>
+        <p:spPr>
+          <a:xfrm>
+            <a:off x="0" y="0"/>
+            <a:ext cx="2438400" cy="2438400"/>
+          </a:xfrm>
+          <a:prstGeom prst="rect">
+            <a:avLst/>
+          </a:prstGeom>
+        </p:spPr>
+      </p:pic>
+      <p:sp>
+        <p:nvSpPr>
+          <p:cNvPr id="7" name="文本框 6">
+            <a:extLst>
+              <a:ext uri="{FF2B5EF4-FFF2-40B4-BE49-F238E27FC236}">
+                <a16:creationId xmlns:a16="http://schemas.microsoft.com/office/drawing/2014/main" id="{1DC07963-E4FF-F5D3-1DDF-7664D18CEFF5}"/>
+              </a:ext>
+            </a:extLst>
+          </p:cNvPr>
+          <p:cNvSpPr txBox="1"/>
+          <p:nvPr/>
+        </p:nvSpPr>
+        <p:spPr>
+          <a:xfrm>
+            <a:off x="-2700337" y="578242"/>
+            <a:ext cx="2438399" cy="523220"/>
+          </a:xfrm>
+          <a:prstGeom prst="rect">
+            <a:avLst/>
+          </a:prstGeom>
+          <a:noFill/>
+        </p:spPr>
+        <p:txBody>
+          <a:bodyPr wrap="square" rtlCol="0">
+            <a:spAutoFit/>
+          </a:bodyPr>
+          <a:lstStyle/>
+          <a:p>
+            <a:pPr algn="ctr"/>
+            <a:r>
+              <a:rPr lang="en-US" altLang="zh-CN" sz="2800" b="1" dirty="0">
+                <a:gradFill>
+                  <a:gsLst>
+                    <a:gs pos="0">
+                      <a:srgbClr val="43C6F9"/>
+                    </a:gs>
+                    <a:gs pos="33000">
+                      <a:srgbClr val="1590E0"/>
+                    </a:gs>
+                    <a:gs pos="67000">
+                      <a:srgbClr val="1894E1"/>
+                    </a:gs>
+                    <a:gs pos="100000">
+                      <a:srgbClr val="0A83DA"/>
+                    </a:gs>
+                  </a:gsLst>
+                  <a:lin ang="5400000" scaled="1"/>
+                </a:gradFill>
+                <a:latin typeface="Microsoft YaHei UI" panose="020B0503020204020204" pitchFamily="34" charset="-122"/>
+                <a:ea typeface="Microsoft YaHei UI" panose="020B0503020204020204" pitchFamily="34" charset="-122"/>
+              </a:rPr>
+              <a:t>Windows 11</a:t>
+            </a:r>
+            <a:endParaRPr lang="zh-CN" altLang="en-US" sz="2800" b="1" dirty="0">
+              <a:gradFill>
+                <a:gsLst>
+                  <a:gs pos="0">
+                    <a:srgbClr val="43C6F9"/>
+                  </a:gs>
+                  <a:gs pos="33000">
+                    <a:srgbClr val="1590E0"/>
+                  </a:gs>
+                  <a:gs pos="67000">
+                    <a:srgbClr val="1894E1"/>
+                  </a:gs>
+                  <a:gs pos="100000">
+                    <a:srgbClr val="0A83DA"/>
+                  </a:gs>
+                </a:gsLst>
+                <a:lin ang="5400000" scaled="1"/>
+              </a:gradFill>
+              <a:latin typeface="Microsoft YaHei UI" panose="020B0503020204020204" pitchFamily="34" charset="-122"/>
+              <a:ea typeface="Microsoft YaHei UI" panose="020B0503020204020204" pitchFamily="34" charset="-122"/>
+            </a:endParaRPr>
+          </a:p>
+        </p:txBody>
+      </p:sp>
+      <p:grpSp>
+        <p:nvGrpSpPr>
+          <p:cNvPr id="14" name="组合 13">
+            <a:extLst>
+              <a:ext uri="{FF2B5EF4-FFF2-40B4-BE49-F238E27FC236}">
+                <a16:creationId xmlns:a16="http://schemas.microsoft.com/office/drawing/2014/main" id="{B11CB9EE-524A-ED0B-7726-878EFF1C6AA4}"/>
+              </a:ext>
+            </a:extLst>
+          </p:cNvPr>
+          <p:cNvGrpSpPr/>
+          <p:nvPr/>
+        </p:nvGrpSpPr>
+        <p:grpSpPr>
+          <a:xfrm>
+            <a:off x="1" y="0"/>
+            <a:ext cx="2438400" cy="2438399"/>
+            <a:chOff x="1" y="0"/>
+            <a:chExt cx="2438400" cy="2438399"/>
+          </a:xfrm>
+        </p:grpSpPr>
+        <p:pic>
+          <p:nvPicPr>
+            <p:cNvPr id="10" name="图片 9">
+              <a:extLst>
+                <a:ext uri="{FF2B5EF4-FFF2-40B4-BE49-F238E27FC236}">
+                  <a16:creationId xmlns:a16="http://schemas.microsoft.com/office/drawing/2014/main" id="{1DA1B29D-12AB-D824-99C7-FA53B31BE903}"/>
+                </a:ext>
+              </a:extLst>
+            </p:cNvPr>
+            <p:cNvPicPr>
+              <a:picLocks noChangeAspect="1"/>
+            </p:cNvPicPr>
+            <p:nvPr/>
+          </p:nvPicPr>
+          <p:blipFill rotWithShape="1">
+            <a:blip r:embed="rId4"/>
+            <a:srcRect l="-1535" r="1535" b="-29386"/>
+            <a:stretch/>
+          </p:blipFill>
+          <p:spPr>
+            <a:xfrm>
+              <a:off x="1" y="1760084"/>
+              <a:ext cx="2438400" cy="678315"/>
+            </a:xfrm>
+            <a:prstGeom prst="rect">
+              <a:avLst/>
+            </a:prstGeom>
+          </p:spPr>
+        </p:pic>
+        <p:pic>
+          <p:nvPicPr>
+            <p:cNvPr id="3" name="图片 2">
+              <a:extLst>
+                <a:ext uri="{FF2B5EF4-FFF2-40B4-BE49-F238E27FC236}">
+                  <a16:creationId xmlns:a16="http://schemas.microsoft.com/office/drawing/2014/main" id="{CDEB5A9E-5998-956D-46EB-772718F16744}"/>
+                </a:ext>
+              </a:extLst>
+            </p:cNvPr>
+            <p:cNvPicPr>
+              <a:picLocks noChangeAspect="1"/>
+            </p:cNvPicPr>
+            <p:nvPr/>
+          </p:nvPicPr>
+          <p:blipFill rotWithShape="1">
+            <a:blip r:embed="rId5">
+              <a:extLst>
+                <a:ext uri="{28A0092B-C50C-407E-A947-70E740481C1C}">
+                  <a14:useLocalDpi xmlns:a14="http://schemas.microsoft.com/office/drawing/2010/main" val="0"/>
+                </a:ext>
+              </a:extLst>
+            </a:blip>
+            <a:srcRect t="-2321"/>
+            <a:stretch/>
+          </p:blipFill>
+          <p:spPr>
+            <a:xfrm>
+              <a:off x="399978" y="0"/>
+              <a:ext cx="1641600" cy="1679704"/>
+            </a:xfrm>
+            <a:prstGeom prst="rect">
+              <a:avLst/>
+            </a:prstGeom>
+          </p:spPr>
+        </p:pic>
+      </p:grpSp>
+    </p:spTree>
+    <p:extLst>
+      <p:ext uri="{BB962C8B-B14F-4D97-AF65-F5344CB8AC3E}">
+        <p14:creationId xmlns:p14="http://schemas.microsoft.com/office/powerpoint/2010/main" val="3574120906"/>
+      </p:ext>
+    </p:extLst>
+  </p:cSld>
+  <p:clrMapOvr>
+    <a:masterClrMapping/>
+  </p:clrMapOvr>
+</p:sld>
+</file>
+
+<file path=ppt/slides/slide4.xml><?xml version="1.0" encoding="utf-8"?>
+<p:sld xmlns:a="http://schemas.openxmlformats.org/drawingml/2006/main" xmlns:r="http://schemas.openxmlformats.org/officeDocument/2006/relationships" xmlns:p="http://schemas.openxmlformats.org/presentationml/2006/main">
+  <p:cSld>
+    <p:spTree>
+      <p:nvGrpSpPr>
+        <p:cNvPr id="1" name=""/>
+        <p:cNvGrpSpPr/>
+        <p:nvPr/>
+      </p:nvGrpSpPr>
+      <p:grpSpPr>
+        <a:xfrm>
+          <a:off x="0" y="0"/>
+          <a:ext cx="0" cy="0"/>
+          <a:chOff x="0" y="0"/>
+          <a:chExt cx="0" cy="0"/>
+        </a:xfrm>
+      </p:grpSpPr>
+      <p:pic>
+        <p:nvPicPr>
+          <p:cNvPr id="3" name="图片 2">
+            <a:extLst>
+              <a:ext uri="{FF2B5EF4-FFF2-40B4-BE49-F238E27FC236}">
+                <a16:creationId xmlns:a16="http://schemas.microsoft.com/office/drawing/2014/main" id="{7C520620-5EB8-2F11-1B17-F68EF2B85025}"/>
+              </a:ext>
+            </a:extLst>
+          </p:cNvPr>
+          <p:cNvPicPr>
+            <a:picLocks noChangeAspect="1"/>
+          </p:cNvPicPr>
+          <p:nvPr/>
+        </p:nvPicPr>
+        <p:blipFill>
+          <a:blip r:embed="rId3">
+            <a:extLst>
+              <a:ext uri="{28A0092B-C50C-407E-A947-70E740481C1C}">
+                <a14:useLocalDpi xmlns:a14="http://schemas.microsoft.com/office/drawing/2010/main" val="0"/>
+              </a:ext>
+            </a:extLst>
+          </a:blip>
+          <a:srcRect/>
+          <a:stretch/>
+        </p:blipFill>
+        <p:spPr>
+          <a:xfrm>
+            <a:off x="0" y="0"/>
+            <a:ext cx="2438400" cy="2438400"/>
+          </a:xfrm>
+          <a:prstGeom prst="rect">
+            <a:avLst/>
+          </a:prstGeom>
+        </p:spPr>
+      </p:pic>
+    </p:spTree>
+    <p:extLst>
+      <p:ext uri="{BB962C8B-B14F-4D97-AF65-F5344CB8AC3E}">
+        <p14:creationId xmlns:p14="http://schemas.microsoft.com/office/powerpoint/2010/main" val="541746426"/>
+      </p:ext>
+    </p:extLst>
+  </p:cSld>
+  <p:clrMapOvr>
+    <a:masterClrMapping/>
+  </p:clrMapOvr>
+</p:sld>
+</file>
+
+<file path=ppt/slides/slide5.xml><?xml version="1.0" encoding="utf-8"?>
+<p:sld xmlns:a="http://schemas.openxmlformats.org/drawingml/2006/main" xmlns:r="http://schemas.openxmlformats.org/officeDocument/2006/relationships" xmlns:p="http://schemas.openxmlformats.org/presentationml/2006/main">
+  <p:cSld>
+    <p:spTree>
+      <p:nvGrpSpPr>
+        <p:cNvPr id="1" name=""/>
+        <p:cNvGrpSpPr/>
+        <p:nvPr/>
+      </p:nvGrpSpPr>
+      <p:grpSpPr>
+        <a:xfrm>
+          <a:off x="0" y="0"/>
+          <a:ext cx="0" cy="0"/>
+          <a:chOff x="0" y="0"/>
+          <a:chExt cx="0" cy="0"/>
+        </a:xfrm>
+      </p:grpSpPr>
+      <p:pic>
+        <p:nvPicPr>
+          <p:cNvPr id="2" name="图片 1">
+            <a:extLst>
+              <a:ext uri="{FF2B5EF4-FFF2-40B4-BE49-F238E27FC236}">
+                <a16:creationId xmlns:a16="http://schemas.microsoft.com/office/drawing/2014/main" id="{421D1B28-491C-8411-9002-3D06CAD41C87}"/>
+              </a:ext>
+            </a:extLst>
+          </p:cNvPr>
+          <p:cNvPicPr>
+            <a:picLocks noChangeAspect="1"/>
+          </p:cNvPicPr>
+          <p:nvPr/>
+        </p:nvPicPr>
+        <p:blipFill>
+          <a:blip r:embed="rId3">
+            <a:alphaModFix amt="35000"/>
+            <a:extLst>
+              <a:ext uri="{28A0092B-C50C-407E-A947-70E740481C1C}">
+                <a14:useLocalDpi xmlns:a14="http://schemas.microsoft.com/office/drawing/2010/main" val="0"/>
+              </a:ext>
+            </a:extLst>
+          </a:blip>
+          <a:srcRect/>
+          <a:stretch/>
+        </p:blipFill>
+        <p:spPr>
+          <a:xfrm>
+            <a:off x="0" y="0"/>
+            <a:ext cx="2438400" cy="2438400"/>
+          </a:xfrm>
+          <a:prstGeom prst="rect">
+            <a:avLst/>
+          </a:prstGeom>
+        </p:spPr>
+      </p:pic>
+      <p:sp>
+        <p:nvSpPr>
+          <p:cNvPr id="4" name="文本框 3">
+            <a:extLst>
+              <a:ext uri="{FF2B5EF4-FFF2-40B4-BE49-F238E27FC236}">
+                <a16:creationId xmlns:a16="http://schemas.microsoft.com/office/drawing/2014/main" id="{5354FA49-E0DE-2F8B-23C2-ABDB9A4C0039}"/>
+              </a:ext>
+            </a:extLst>
+          </p:cNvPr>
+          <p:cNvSpPr txBox="1"/>
+          <p:nvPr/>
+        </p:nvSpPr>
+        <p:spPr>
+          <a:xfrm>
+            <a:off x="-2728912" y="508310"/>
+            <a:ext cx="2438399" cy="523220"/>
+          </a:xfrm>
+          <a:prstGeom prst="rect">
+            <a:avLst/>
+          </a:prstGeom>
+          <a:noFill/>
+        </p:spPr>
+        <p:txBody>
+          <a:bodyPr wrap="square" rtlCol="0">
+            <a:spAutoFit/>
+          </a:bodyPr>
+          <a:lstStyle/>
+          <a:p>
+            <a:pPr algn="ctr"/>
+            <a:r>
+              <a:rPr lang="en-US" altLang="zh-CN" sz="2800" b="1" dirty="0">
+                <a:solidFill>
+                  <a:srgbClr val="00B6F0"/>
+                </a:solidFill>
+                <a:latin typeface="Microsoft YaHei UI" panose="020B0503020204020204" pitchFamily="34" charset="-122"/>
+                <a:ea typeface="Microsoft YaHei UI" panose="020B0503020204020204" pitchFamily="34" charset="-122"/>
+              </a:rPr>
+              <a:t>Windows 10</a:t>
+            </a:r>
+            <a:endParaRPr lang="zh-CN" altLang="en-US" sz="2800" b="1" dirty="0">
+              <a:solidFill>
+                <a:srgbClr val="00B6F0"/>
+              </a:solidFill>
+              <a:latin typeface="Microsoft YaHei UI" panose="020B0503020204020204" pitchFamily="34" charset="-122"/>
+              <a:ea typeface="Microsoft YaHei UI" panose="020B0503020204020204" pitchFamily="34" charset="-122"/>
+            </a:endParaRPr>
+          </a:p>
+        </p:txBody>
+      </p:sp>
+      <p:grpSp>
+        <p:nvGrpSpPr>
+          <p:cNvPr id="12" name="组合 11">
+            <a:extLst>
+              <a:ext uri="{FF2B5EF4-FFF2-40B4-BE49-F238E27FC236}">
+                <a16:creationId xmlns:a16="http://schemas.microsoft.com/office/drawing/2014/main" id="{92547F46-E45F-1453-4BFC-45EA5CDC5F1A}"/>
+              </a:ext>
+            </a:extLst>
+          </p:cNvPr>
+          <p:cNvGrpSpPr/>
+          <p:nvPr/>
+        </p:nvGrpSpPr>
+        <p:grpSpPr>
+          <a:xfrm>
+            <a:off x="1" y="0"/>
+            <a:ext cx="2438400" cy="2438400"/>
+            <a:chOff x="1" y="0"/>
+            <a:chExt cx="2438400" cy="2438400"/>
+          </a:xfrm>
+        </p:grpSpPr>
+        <p:pic>
+          <p:nvPicPr>
+            <p:cNvPr id="5" name="图片 4">
+              <a:extLst>
+                <a:ext uri="{FF2B5EF4-FFF2-40B4-BE49-F238E27FC236}">
+                  <a16:creationId xmlns:a16="http://schemas.microsoft.com/office/drawing/2014/main" id="{3049CDDE-F968-27F4-C264-87F28535A869}"/>
+                </a:ext>
+              </a:extLst>
+            </p:cNvPr>
+            <p:cNvPicPr>
+              <a:picLocks noChangeAspect="1"/>
+            </p:cNvPicPr>
+            <p:nvPr/>
+          </p:nvPicPr>
+          <p:blipFill rotWithShape="1">
+            <a:blip r:embed="rId4">
+              <a:extLst>
+                <a:ext uri="{28A0092B-C50C-407E-A947-70E740481C1C}">
+                  <a14:useLocalDpi xmlns:a14="http://schemas.microsoft.com/office/drawing/2010/main" val="0"/>
+                </a:ext>
+              </a:extLst>
+            </a:blip>
+            <a:srcRect t="-4921" b="-1"/>
+            <a:stretch/>
+          </p:blipFill>
+          <p:spPr>
+            <a:xfrm>
+              <a:off x="438081" y="0"/>
+              <a:ext cx="1566931" cy="1644053"/>
+            </a:xfrm>
+            <a:prstGeom prst="rect">
+              <a:avLst/>
+            </a:prstGeom>
+          </p:spPr>
+        </p:pic>
+        <p:pic>
+          <p:nvPicPr>
+            <p:cNvPr id="11" name="图片 10">
+              <a:extLst>
+                <a:ext uri="{FF2B5EF4-FFF2-40B4-BE49-F238E27FC236}">
+                  <a16:creationId xmlns:a16="http://schemas.microsoft.com/office/drawing/2014/main" id="{F22D32DB-0EE8-54C8-0F99-A60C46CF50C5}"/>
+                </a:ext>
+              </a:extLst>
+            </p:cNvPr>
+            <p:cNvPicPr>
+              <a:picLocks noChangeAspect="1"/>
+            </p:cNvPicPr>
+            <p:nvPr/>
+          </p:nvPicPr>
+          <p:blipFill rotWithShape="1">
+            <a:blip r:embed="rId5"/>
+            <a:srcRect l="3597" t="1" r="4383" b="883"/>
+            <a:stretch/>
+          </p:blipFill>
+          <p:spPr>
+            <a:xfrm>
+              <a:off x="1" y="1694023"/>
+              <a:ext cx="2438400" cy="744377"/>
+            </a:xfrm>
+            <a:prstGeom prst="rect">
+              <a:avLst/>
+            </a:prstGeom>
+          </p:spPr>
+        </p:pic>
+      </p:grpSp>
+    </p:spTree>
+    <p:extLst>
+      <p:ext uri="{BB962C8B-B14F-4D97-AF65-F5344CB8AC3E}">
+        <p14:creationId xmlns:p14="http://schemas.microsoft.com/office/powerpoint/2010/main" val="4206532948"/>
+      </p:ext>
+    </p:extLst>
+  </p:cSld>
+  <p:clrMapOvr>
+    <a:masterClrMapping/>
+  </p:clrMapOvr>
+</p:sld>
+</file>
+
+<file path=ppt/slides/slide6.xml><?xml version="1.0" encoding="utf-8"?>
+<p:sld xmlns:a="http://schemas.openxmlformats.org/drawingml/2006/main" xmlns:r="http://schemas.openxmlformats.org/officeDocument/2006/relationships" xmlns:p="http://schemas.openxmlformats.org/presentationml/2006/main">
+  <p:cSld>
+    <p:spTree>
+      <p:nvGrpSpPr>
+        <p:cNvPr id="1" name=""/>
+        <p:cNvGrpSpPr/>
+        <p:nvPr/>
+      </p:nvGrpSpPr>
+      <p:grpSpPr>
+        <a:xfrm>
+          <a:off x="0" y="0"/>
+          <a:ext cx="0" cy="0"/>
+          <a:chOff x="0" y="0"/>
+          <a:chExt cx="0" cy="0"/>
+        </a:xfrm>
+      </p:grpSpPr>
+      <p:pic>
+        <p:nvPicPr>
+          <p:cNvPr id="3" name="图片 2">
+            <a:extLst>
+              <a:ext uri="{FF2B5EF4-FFF2-40B4-BE49-F238E27FC236}">
+                <a16:creationId xmlns:a16="http://schemas.microsoft.com/office/drawing/2014/main" id="{518A8284-EB91-8EA8-B171-3C8E4D2AA6DB}"/>
+              </a:ext>
+            </a:extLst>
+          </p:cNvPr>
+          <p:cNvPicPr>
+            <a:picLocks noChangeAspect="1"/>
+          </p:cNvPicPr>
+          <p:nvPr/>
+        </p:nvPicPr>
+        <p:blipFill>
+          <a:blip r:embed="rId3">
+            <a:extLst>
+              <a:ext uri="{28A0092B-C50C-407E-A947-70E740481C1C}">
+                <a14:useLocalDpi xmlns:a14="http://schemas.microsoft.com/office/drawing/2010/main" val="0"/>
+              </a:ext>
+            </a:extLst>
+          </a:blip>
+          <a:srcRect/>
+          <a:stretch/>
+        </p:blipFill>
+        <p:spPr>
+          <a:xfrm>
+            <a:off x="0" y="0"/>
+            <a:ext cx="2438400" cy="2438400"/>
+          </a:xfrm>
+          <a:prstGeom prst="rect">
+            <a:avLst/>
+          </a:prstGeom>
+        </p:spPr>
+      </p:pic>
+    </p:spTree>
+    <p:extLst>
+      <p:ext uri="{BB962C8B-B14F-4D97-AF65-F5344CB8AC3E}">
+        <p14:creationId xmlns:p14="http://schemas.microsoft.com/office/powerpoint/2010/main" val="1795168448"/>
+      </p:ext>
+    </p:extLst>
+  </p:cSld>
+  <p:clrMapOvr>
+    <a:masterClrMapping/>
+  </p:clrMapOvr>
+</p:sld>
+</file>
+
+<file path=ppt/slides/slide7.xml><?xml version="1.0" encoding="utf-8"?>
+<p:sld xmlns:a="http://schemas.openxmlformats.org/drawingml/2006/main" xmlns:r="http://schemas.openxmlformats.org/officeDocument/2006/relationships" xmlns:p="http://schemas.openxmlformats.org/presentationml/2006/main">
+  <p:cSld>
+    <p:spTree>
+      <p:nvGrpSpPr>
+        <p:cNvPr id="1" name=""/>
+        <p:cNvGrpSpPr/>
+        <p:nvPr/>
+      </p:nvGrpSpPr>
+      <p:grpSpPr>
+        <a:xfrm>
+          <a:off x="0" y="0"/>
+          <a:ext cx="0" cy="0"/>
+          <a:chOff x="0" y="0"/>
+          <a:chExt cx="0" cy="0"/>
+        </a:xfrm>
+      </p:grpSpPr>
+      <p:pic>
+        <p:nvPicPr>
+          <p:cNvPr id="2" name="图片 1">
+            <a:extLst>
+              <a:ext uri="{FF2B5EF4-FFF2-40B4-BE49-F238E27FC236}">
+                <a16:creationId xmlns:a16="http://schemas.microsoft.com/office/drawing/2014/main" id="{421D1B28-491C-8411-9002-3D06CAD41C87}"/>
+              </a:ext>
+            </a:extLst>
+          </p:cNvPr>
+          <p:cNvPicPr>
+            <a:picLocks noChangeAspect="1"/>
+          </p:cNvPicPr>
+          <p:nvPr/>
+        </p:nvPicPr>
+        <p:blipFill>
+          <a:blip r:embed="rId3">
+            <a:alphaModFix amt="35000"/>
+            <a:extLst>
+              <a:ext uri="{28A0092B-C50C-407E-A947-70E740481C1C}">
+                <a14:useLocalDpi xmlns:a14="http://schemas.microsoft.com/office/drawing/2010/main" val="0"/>
+              </a:ext>
+            </a:extLst>
+          </a:blip>
+          <a:srcRect/>
+          <a:stretch/>
+        </p:blipFill>
+        <p:spPr>
+          <a:xfrm>
+            <a:off x="0" y="0"/>
+            <a:ext cx="2438400" cy="2438400"/>
+          </a:xfrm>
+          <a:prstGeom prst="rect">
+            <a:avLst/>
+          </a:prstGeom>
+        </p:spPr>
+      </p:pic>
+      <p:sp>
+        <p:nvSpPr>
+          <p:cNvPr id="4" name="文本框 3">
+            <a:extLst>
+              <a:ext uri="{FF2B5EF4-FFF2-40B4-BE49-F238E27FC236}">
+                <a16:creationId xmlns:a16="http://schemas.microsoft.com/office/drawing/2014/main" id="{5354FA49-E0DE-2F8B-23C2-ABDB9A4C0039}"/>
+              </a:ext>
+            </a:extLst>
+          </p:cNvPr>
+          <p:cNvSpPr txBox="1"/>
+          <p:nvPr/>
+        </p:nvSpPr>
+        <p:spPr>
+          <a:xfrm>
+            <a:off x="-3511944" y="-75189"/>
+            <a:ext cx="2438399" cy="769441"/>
+          </a:xfrm>
+          <a:prstGeom prst="rect">
+            <a:avLst/>
+          </a:prstGeom>
+          <a:noFill/>
+        </p:spPr>
+        <p:txBody>
+          <a:bodyPr wrap="square" rtlCol="0">
+            <a:spAutoFit/>
+          </a:bodyPr>
+          <a:lstStyle/>
+          <a:p>
+            <a:pPr algn="ctr"/>
+            <a:r>
+              <a:rPr lang="en-US" altLang="zh-CN" sz="4400" b="1" dirty="0">
+                <a:solidFill>
+                  <a:srgbClr val="596A93"/>
+                </a:solidFill>
+                <a:latin typeface="Microsoft YaHei UI" panose="020B0503020204020204" pitchFamily="34" charset="-122"/>
+                <a:ea typeface="Microsoft YaHei UI" panose="020B0503020204020204" pitchFamily="34" charset="-122"/>
+              </a:rPr>
+              <a:t>Server</a:t>
+            </a:r>
+            <a:endParaRPr lang="zh-CN" altLang="en-US" sz="4400" b="1" dirty="0">
+              <a:solidFill>
+                <a:srgbClr val="596A93"/>
+              </a:solidFill>
+              <a:latin typeface="Microsoft YaHei UI" panose="020B0503020204020204" pitchFamily="34" charset="-122"/>
+              <a:ea typeface="Microsoft YaHei UI" panose="020B0503020204020204" pitchFamily="34" charset="-122"/>
+            </a:endParaRPr>
+          </a:p>
+        </p:txBody>
+      </p:sp>
+      <p:grpSp>
+        <p:nvGrpSpPr>
+          <p:cNvPr id="6" name="组合 5">
+            <a:extLst>
+              <a:ext uri="{FF2B5EF4-FFF2-40B4-BE49-F238E27FC236}">
+                <a16:creationId xmlns:a16="http://schemas.microsoft.com/office/drawing/2014/main" id="{35A3AB2E-17A7-F58E-A921-F463658E039B}"/>
+              </a:ext>
+            </a:extLst>
+          </p:cNvPr>
+          <p:cNvGrpSpPr/>
+          <p:nvPr/>
+        </p:nvGrpSpPr>
+        <p:grpSpPr>
+          <a:xfrm>
+            <a:off x="0" y="0"/>
+            <a:ext cx="2438400" cy="2438400"/>
+            <a:chOff x="0" y="0"/>
+            <a:chExt cx="2438400" cy="2438400"/>
+          </a:xfrm>
+        </p:grpSpPr>
+        <p:pic>
+          <p:nvPicPr>
+            <p:cNvPr id="5" name="图片 4">
+              <a:extLst>
+                <a:ext uri="{FF2B5EF4-FFF2-40B4-BE49-F238E27FC236}">
+                  <a16:creationId xmlns:a16="http://schemas.microsoft.com/office/drawing/2014/main" id="{3049CDDE-F968-27F4-C264-87F28535A869}"/>
+                </a:ext>
+              </a:extLst>
+            </p:cNvPr>
+            <p:cNvPicPr>
+              <a:picLocks noChangeAspect="1"/>
+            </p:cNvPicPr>
+            <p:nvPr/>
+          </p:nvPicPr>
+          <p:blipFill rotWithShape="1">
+            <a:blip r:embed="rId4">
+              <a:duotone>
+                <a:prstClr val="black"/>
+                <a:schemeClr val="accent1">
+                  <a:tint val="45000"/>
+                  <a:satMod val="400000"/>
+                </a:schemeClr>
+              </a:duotone>
+              <a:extLst>
+                <a:ext uri="{28A0092B-C50C-407E-A947-70E740481C1C}">
+                  <a14:useLocalDpi xmlns:a14="http://schemas.microsoft.com/office/drawing/2010/main" val="0"/>
+                </a:ext>
+              </a:extLst>
+            </a:blip>
+            <a:srcRect t="-4921" b="-1"/>
+            <a:stretch/>
+          </p:blipFill>
+          <p:spPr>
+            <a:xfrm>
+              <a:off x="438081" y="0"/>
+              <a:ext cx="1566931" cy="1644053"/>
+            </a:xfrm>
+            <a:prstGeom prst="rect">
+              <a:avLst/>
+            </a:prstGeom>
+          </p:spPr>
+        </p:pic>
+        <p:pic>
+          <p:nvPicPr>
+            <p:cNvPr id="3" name="图片 2">
+              <a:extLst>
+                <a:ext uri="{FF2B5EF4-FFF2-40B4-BE49-F238E27FC236}">
+                  <a16:creationId xmlns:a16="http://schemas.microsoft.com/office/drawing/2014/main" id="{D0B7380E-E72D-632B-CC17-AF737F888B41}"/>
+                </a:ext>
+              </a:extLst>
+            </p:cNvPr>
+            <p:cNvPicPr>
+              <a:picLocks noChangeAspect="1"/>
+            </p:cNvPicPr>
+            <p:nvPr/>
+          </p:nvPicPr>
+          <p:blipFill rotWithShape="1">
+            <a:blip r:embed="rId5"/>
+            <a:srcRect l="1495" t="16419" r="474" b="16419"/>
+            <a:stretch/>
+          </p:blipFill>
+          <p:spPr>
+            <a:xfrm>
+              <a:off x="0" y="1644053"/>
+              <a:ext cx="2438400" cy="794347"/>
+            </a:xfrm>
+            <a:prstGeom prst="rect">
+              <a:avLst/>
+            </a:prstGeom>
+          </p:spPr>
+        </p:pic>
+      </p:grpSp>
+    </p:spTree>
+    <p:extLst>
+      <p:ext uri="{BB962C8B-B14F-4D97-AF65-F5344CB8AC3E}">
+        <p14:creationId xmlns:p14="http://schemas.microsoft.com/office/powerpoint/2010/main" val="2140954842"/>
+      </p:ext>
+    </p:extLst>
+  </p:cSld>
+  <p:clrMapOvr>
+    <a:masterClrMapping/>
+  </p:clrMapOvr>
+</p:sld>
+</file>
+
+<file path=ppt/slides/slide8.xml><?xml version="1.0" encoding="utf-8"?>
+<p:sld xmlns:a="http://schemas.openxmlformats.org/drawingml/2006/main" xmlns:r="http://schemas.openxmlformats.org/officeDocument/2006/relationships" xmlns:p="http://schemas.openxmlformats.org/presentationml/2006/main">
+  <p:cSld>
+    <p:spTree>
+      <p:nvGrpSpPr>
+        <p:cNvPr id="1" name=""/>
+        <p:cNvGrpSpPr/>
+        <p:nvPr/>
+      </p:nvGrpSpPr>
+      <p:grpSpPr>
+        <a:xfrm>
+          <a:off x="0" y="0"/>
+          <a:ext cx="0" cy="0"/>
+          <a:chOff x="0" y="0"/>
+          <a:chExt cx="0" cy="0"/>
+        </a:xfrm>
+      </p:grpSpPr>
+      <p:pic>
+        <p:nvPicPr>
+          <p:cNvPr id="3" name="图片 2">
+            <a:extLst>
+              <a:ext uri="{FF2B5EF4-FFF2-40B4-BE49-F238E27FC236}">
+                <a16:creationId xmlns:a16="http://schemas.microsoft.com/office/drawing/2014/main" id="{518A8284-EB91-8EA8-B171-3C8E4D2AA6DB}"/>
+              </a:ext>
+            </a:extLst>
+          </p:cNvPr>
+          <p:cNvPicPr>
+            <a:picLocks noChangeAspect="1"/>
+          </p:cNvPicPr>
+          <p:nvPr/>
+        </p:nvPicPr>
+        <p:blipFill>
+          <a:blip r:embed="rId3">
+            <a:extLst>
+              <a:ext uri="{28A0092B-C50C-407E-A947-70E740481C1C}">
+                <a14:useLocalDpi xmlns:a14="http://schemas.microsoft.com/office/drawing/2010/main" val="0"/>
+              </a:ext>
+            </a:extLst>
+          </a:blip>
+          <a:srcRect/>
+          <a:stretch/>
+        </p:blipFill>
+        <p:spPr>
+          <a:xfrm>
+            <a:off x="0" y="0"/>
+            <a:ext cx="2438400" cy="2438400"/>
+          </a:xfrm>
+          <a:prstGeom prst="rect">
+            <a:avLst/>
+          </a:prstGeom>
+        </p:spPr>
+      </p:pic>
+    </p:spTree>
+    <p:extLst>
+      <p:ext uri="{BB962C8B-B14F-4D97-AF65-F5344CB8AC3E}">
+        <p14:creationId xmlns:p14="http://schemas.microsoft.com/office/powerpoint/2010/main" val="3257477222"/>
+      </p:ext>
+    </p:extLst>
+  </p:cSld>
+  <p:clrMapOvr>
+    <a:masterClrMapping/>
+  </p:clrMapOvr>
+</p:sld>
+</file>
+
+<file path=ppt/slides/slide9.xml><?xml version="1.0" encoding="utf-8"?>
+<p:sld xmlns:a="http://schemas.openxmlformats.org/drawingml/2006/main" xmlns:r="http://schemas.openxmlformats.org/officeDocument/2006/relationships" xmlns:p="http://schemas.openxmlformats.org/presentationml/2006/main">
+  <p:cSld>
+    <p:spTree>
+      <p:nvGrpSpPr>
+        <p:cNvPr id="1" name=""/>
+        <p:cNvGrpSpPr/>
+        <p:nvPr/>
+      </p:nvGrpSpPr>
+      <p:grpSpPr>
+        <a:xfrm>
+          <a:off x="0" y="0"/>
+          <a:ext cx="0" cy="0"/>
+          <a:chOff x="0" y="0"/>
+          <a:chExt cx="0" cy="0"/>
+        </a:xfrm>
+      </p:grpSpPr>
+      <p:pic>
+        <p:nvPicPr>
+          <p:cNvPr id="7" name="图片 6">
+            <a:extLst>
+              <a:ext uri="{FF2B5EF4-FFF2-40B4-BE49-F238E27FC236}">
+                <a16:creationId xmlns:a16="http://schemas.microsoft.com/office/drawing/2014/main" id="{5CF15BF4-A95E-CB68-0A5B-F6AB2BBEBF41}"/>
+              </a:ext>
+            </a:extLst>
+          </p:cNvPr>
+          <p:cNvPicPr>
+            <a:picLocks noChangeAspect="1"/>
+          </p:cNvPicPr>
+          <p:nvPr/>
+        </p:nvPicPr>
+        <p:blipFill>
+          <a:blip r:embed="rId3">
+            <a:alphaModFix amt="35000"/>
+            <a:extLst>
+              <a:ext uri="{28A0092B-C50C-407E-A947-70E740481C1C}">
+                <a14:useLocalDpi xmlns:a14="http://schemas.microsoft.com/office/drawing/2010/main" val="0"/>
+              </a:ext>
+            </a:extLst>
+          </a:blip>
+          <a:srcRect/>
+          <a:stretch/>
+        </p:blipFill>
+        <p:spPr>
+          <a:xfrm>
+            <a:off x="0" y="0"/>
+            <a:ext cx="2438400" cy="2438400"/>
+          </a:xfrm>
+          <a:prstGeom prst="rect">
+            <a:avLst/>
+          </a:prstGeom>
+        </p:spPr>
+      </p:pic>
+      <p:sp>
+        <p:nvSpPr>
+          <p:cNvPr id="5" name="文本框 4">
+            <a:extLst>
+              <a:ext uri="{FF2B5EF4-FFF2-40B4-BE49-F238E27FC236}">
+                <a16:creationId xmlns:a16="http://schemas.microsoft.com/office/drawing/2014/main" id="{C4279FA6-FFEF-69FB-B2ED-5B8780B70BBA}"/>
+              </a:ext>
+            </a:extLst>
+          </p:cNvPr>
+          <p:cNvSpPr txBox="1"/>
+          <p:nvPr/>
+        </p:nvSpPr>
+        <p:spPr>
+          <a:xfrm>
+            <a:off x="-2272526" y="487634"/>
+            <a:ext cx="2525750" cy="523220"/>
+          </a:xfrm>
+          <a:prstGeom prst="rect">
+            <a:avLst/>
+          </a:prstGeom>
+          <a:noFill/>
+        </p:spPr>
+        <p:txBody>
+          <a:bodyPr wrap="square" rtlCol="0">
+            <a:spAutoFit/>
+          </a:bodyPr>
+          <a:lstStyle/>
+          <a:p>
+            <a:pPr algn="ctr"/>
+            <a:r>
+              <a:rPr lang="en-US" altLang="zh-CN" sz="2800" b="1" dirty="0">
+                <a:solidFill>
+                  <a:srgbClr val="00CBE5"/>
+                </a:solidFill>
+                <a:latin typeface="Microsoft YaHei UI" panose="020B0503020204020204" pitchFamily="34" charset="-122"/>
+                <a:ea typeface="Microsoft YaHei UI" panose="020B0503020204020204" pitchFamily="34" charset="-122"/>
+              </a:rPr>
+              <a:t>Windows 8.1</a:t>
+            </a:r>
+            <a:endParaRPr lang="zh-CN" altLang="en-US" sz="2800" b="1" dirty="0">
+              <a:solidFill>
+                <a:srgbClr val="00CBE5"/>
+              </a:solidFill>
+              <a:latin typeface="Microsoft YaHei UI" panose="020B0503020204020204" pitchFamily="34" charset="-122"/>
+              <a:ea typeface="Microsoft YaHei UI" panose="020B0503020204020204" pitchFamily="34" charset="-122"/>
+            </a:endParaRPr>
+          </a:p>
+        </p:txBody>
+      </p:sp>
+      <p:grpSp>
+        <p:nvGrpSpPr>
+          <p:cNvPr id="2" name="组合 1">
+            <a:extLst>
+              <a:ext uri="{FF2B5EF4-FFF2-40B4-BE49-F238E27FC236}">
+                <a16:creationId xmlns:a16="http://schemas.microsoft.com/office/drawing/2014/main" id="{FB5AA41D-11E6-DD53-7B32-5285CD9E5CC5}"/>
+              </a:ext>
+            </a:extLst>
+          </p:cNvPr>
+          <p:cNvGrpSpPr/>
+          <p:nvPr/>
+        </p:nvGrpSpPr>
+        <p:grpSpPr>
+          <a:xfrm>
+            <a:off x="1" y="-1"/>
+            <a:ext cx="2438400" cy="2438402"/>
+            <a:chOff x="1" y="-1"/>
+            <a:chExt cx="2438400" cy="2438402"/>
+          </a:xfrm>
+        </p:grpSpPr>
+        <p:pic>
+          <p:nvPicPr>
+            <p:cNvPr id="3" name="图片 2">
+              <a:extLst>
+                <a:ext uri="{FF2B5EF4-FFF2-40B4-BE49-F238E27FC236}">
+                  <a16:creationId xmlns:a16="http://schemas.microsoft.com/office/drawing/2014/main" id="{73D39D51-63AE-D239-2A43-DC69ECB0312A}"/>
+                </a:ext>
+              </a:extLst>
+            </p:cNvPr>
+            <p:cNvPicPr>
+              <a:picLocks noChangeAspect="1"/>
+            </p:cNvPicPr>
+            <p:nvPr/>
+          </p:nvPicPr>
+          <p:blipFill rotWithShape="1">
+            <a:blip r:embed="rId4">
+              <a:extLst>
+                <a:ext uri="{28A0092B-C50C-407E-A947-70E740481C1C}">
+                  <a14:useLocalDpi xmlns:a14="http://schemas.microsoft.com/office/drawing/2010/main" val="0"/>
+                </a:ext>
+              </a:extLst>
+            </a:blip>
+            <a:srcRect t="-3193"/>
+            <a:stretch/>
+          </p:blipFill>
+          <p:spPr>
+            <a:xfrm>
+              <a:off x="410999" y="-1"/>
+              <a:ext cx="1620000" cy="1671733"/>
+            </a:xfrm>
+            <a:prstGeom prst="rect">
+              <a:avLst/>
+            </a:prstGeom>
+          </p:spPr>
+        </p:pic>
+        <p:pic>
+          <p:nvPicPr>
+            <p:cNvPr id="8" name="图片 7">
+              <a:extLst>
+                <a:ext uri="{FF2B5EF4-FFF2-40B4-BE49-F238E27FC236}">
+                  <a16:creationId xmlns:a16="http://schemas.microsoft.com/office/drawing/2014/main" id="{714C9996-37A2-CDE1-48C5-6095372B2D9B}"/>
+                </a:ext>
+              </a:extLst>
+            </p:cNvPr>
+            <p:cNvPicPr>
+              <a:picLocks noChangeAspect="1"/>
+            </p:cNvPicPr>
+            <p:nvPr/>
+          </p:nvPicPr>
+          <p:blipFill rotWithShape="1">
+            <a:blip r:embed="rId5"/>
+            <a:srcRect l="4273" r="7018" b="1192"/>
+            <a:stretch/>
+          </p:blipFill>
+          <p:spPr>
+            <a:xfrm>
+              <a:off x="1" y="1691655"/>
+              <a:ext cx="2438400" cy="746746"/>
+            </a:xfrm>
+            <a:prstGeom prst="rect">
+              <a:avLst/>
+            </a:prstGeom>
+          </p:spPr>
+        </p:pic>
+      </p:grpSp>
+    </p:spTree>
+    <p:extLst>
+      <p:ext uri="{BB962C8B-B14F-4D97-AF65-F5344CB8AC3E}">
+        <p14:creationId xmlns:p14="http://schemas.microsoft.com/office/powerpoint/2010/main" val="3041353655"/>
       </p:ext>
     </p:extLst>
   </p:cSld>
